--- a/Interaction Design/ID Tick 2.pptx
+++ b/Interaction Design/ID Tick 2.pptx
@@ -11,13 +11,16 @@
     <p:sldId id="260" r:id="rId8"/>
     <p:sldId id="261" r:id="rId9"/>
     <p:sldId id="262" r:id="rId10"/>
-    <p:sldId id="268" r:id="rId11"/>
-    <p:sldId id="263" r:id="rId12"/>
-    <p:sldId id="267" r:id="rId13"/>
-    <p:sldId id="271" r:id="rId14"/>
-    <p:sldId id="259" r:id="rId15"/>
-    <p:sldId id="264" r:id="rId16"/>
-    <p:sldId id="265" r:id="rId17"/>
+    <p:sldId id="272" r:id="rId11"/>
+    <p:sldId id="268" r:id="rId12"/>
+    <p:sldId id="273" r:id="rId13"/>
+    <p:sldId id="263" r:id="rId14"/>
+    <p:sldId id="267" r:id="rId15"/>
+    <p:sldId id="274" r:id="rId16"/>
+    <p:sldId id="271" r:id="rId17"/>
+    <p:sldId id="259" r:id="rId18"/>
+    <p:sldId id="264" r:id="rId19"/>
+    <p:sldId id="265" r:id="rId20"/>
   </p:sldIdLst>
   <p:sldSz cx="12192000" cy="6858000"/>
   <p:notesSz cx="6858000" cy="9144000"/>
@@ -281,7 +284,7 @@
           <a:p>
             <a:fld id="{06089A58-053A-47F3-A389-11E817A6D473}" type="datetimeFigureOut">
               <a:rPr lang="en-GB" smtClean="0"/>
-              <a:t>19/05/2021</a:t>
+              <a:t>24/05/2021</a:t>
             </a:fld>
             <a:endParaRPr lang="en-GB"/>
           </a:p>
@@ -481,7 +484,7 @@
           <a:p>
             <a:fld id="{06089A58-053A-47F3-A389-11E817A6D473}" type="datetimeFigureOut">
               <a:rPr lang="en-GB" smtClean="0"/>
-              <a:t>19/05/2021</a:t>
+              <a:t>24/05/2021</a:t>
             </a:fld>
             <a:endParaRPr lang="en-GB"/>
           </a:p>
@@ -691,7 +694,7 @@
           <a:p>
             <a:fld id="{06089A58-053A-47F3-A389-11E817A6D473}" type="datetimeFigureOut">
               <a:rPr lang="en-GB" smtClean="0"/>
-              <a:t>19/05/2021</a:t>
+              <a:t>24/05/2021</a:t>
             </a:fld>
             <a:endParaRPr lang="en-GB"/>
           </a:p>
@@ -891,7 +894,7 @@
           <a:p>
             <a:fld id="{06089A58-053A-47F3-A389-11E817A6D473}" type="datetimeFigureOut">
               <a:rPr lang="en-GB" smtClean="0"/>
-              <a:t>19/05/2021</a:t>
+              <a:t>24/05/2021</a:t>
             </a:fld>
             <a:endParaRPr lang="en-GB"/>
           </a:p>
@@ -1167,7 +1170,7 @@
           <a:p>
             <a:fld id="{06089A58-053A-47F3-A389-11E817A6D473}" type="datetimeFigureOut">
               <a:rPr lang="en-GB" smtClean="0"/>
-              <a:t>19/05/2021</a:t>
+              <a:t>24/05/2021</a:t>
             </a:fld>
             <a:endParaRPr lang="en-GB"/>
           </a:p>
@@ -1435,7 +1438,7 @@
           <a:p>
             <a:fld id="{06089A58-053A-47F3-A389-11E817A6D473}" type="datetimeFigureOut">
               <a:rPr lang="en-GB" smtClean="0"/>
-              <a:t>19/05/2021</a:t>
+              <a:t>24/05/2021</a:t>
             </a:fld>
             <a:endParaRPr lang="en-GB"/>
           </a:p>
@@ -1850,7 +1853,7 @@
           <a:p>
             <a:fld id="{06089A58-053A-47F3-A389-11E817A6D473}" type="datetimeFigureOut">
               <a:rPr lang="en-GB" smtClean="0"/>
-              <a:t>19/05/2021</a:t>
+              <a:t>24/05/2021</a:t>
             </a:fld>
             <a:endParaRPr lang="en-GB"/>
           </a:p>
@@ -1992,7 +1995,7 @@
           <a:p>
             <a:fld id="{06089A58-053A-47F3-A389-11E817A6D473}" type="datetimeFigureOut">
               <a:rPr lang="en-GB" smtClean="0"/>
-              <a:t>19/05/2021</a:t>
+              <a:t>24/05/2021</a:t>
             </a:fld>
             <a:endParaRPr lang="en-GB"/>
           </a:p>
@@ -2105,7 +2108,7 @@
           <a:p>
             <a:fld id="{06089A58-053A-47F3-A389-11E817A6D473}" type="datetimeFigureOut">
               <a:rPr lang="en-GB" smtClean="0"/>
-              <a:t>19/05/2021</a:t>
+              <a:t>24/05/2021</a:t>
             </a:fld>
             <a:endParaRPr lang="en-GB"/>
           </a:p>
@@ -2418,7 +2421,7 @@
           <a:p>
             <a:fld id="{06089A58-053A-47F3-A389-11E817A6D473}" type="datetimeFigureOut">
               <a:rPr lang="en-GB" smtClean="0"/>
-              <a:t>19/05/2021</a:t>
+              <a:t>24/05/2021</a:t>
             </a:fld>
             <a:endParaRPr lang="en-GB"/>
           </a:p>
@@ -2707,7 +2710,7 @@
           <a:p>
             <a:fld id="{06089A58-053A-47F3-A389-11E817A6D473}" type="datetimeFigureOut">
               <a:rPr lang="en-GB" smtClean="0"/>
-              <a:t>19/05/2021</a:t>
+              <a:t>24/05/2021</a:t>
             </a:fld>
             <a:endParaRPr lang="en-GB"/>
           </a:p>
@@ -2950,7 +2953,7 @@
           <a:p>
             <a:fld id="{06089A58-053A-47F3-A389-11E817A6D473}" type="datetimeFigureOut">
               <a:rPr lang="en-GB" smtClean="0"/>
-              <a:t>19/05/2021</a:t>
+              <a:t>24/05/2021</a:t>
             </a:fld>
             <a:endParaRPr lang="en-GB"/>
           </a:p>
@@ -3519,6 +3522,1203 @@
       </p:grpSpPr>
       <p:sp>
         <p:nvSpPr>
+          <p:cNvPr id="104" name="TextBox 103">
+            <a:extLst>
+              <a:ext uri="{FF2B5EF4-FFF2-40B4-BE49-F238E27FC236}">
+                <a16:creationId xmlns:a16="http://schemas.microsoft.com/office/drawing/2014/main" id="{4508642E-2AB4-4CF5-993C-2E12F24B9309}"/>
+              </a:ext>
+            </a:extLst>
+          </p:cNvPr>
+          <p:cNvSpPr txBox="1"/>
+          <p:nvPr/>
+        </p:nvSpPr>
+        <p:spPr>
+          <a:xfrm>
+            <a:off x="103925" y="95878"/>
+            <a:ext cx="6268995" cy="400110"/>
+          </a:xfrm>
+          <a:prstGeom prst="rect">
+            <a:avLst/>
+          </a:prstGeom>
+          <a:noFill/>
+        </p:spPr>
+        <p:txBody>
+          <a:bodyPr wrap="square" rtlCol="0">
+            <a:spAutoFit/>
+          </a:bodyPr>
+          <a:lstStyle/>
+          <a:p>
+            <a:r>
+              <a:rPr lang="en-GB" sz="2000" b="1" dirty="0"/>
+              <a:t>Task 3: Track a fire in city X</a:t>
+            </a:r>
+          </a:p>
+        </p:txBody>
+      </p:sp>
+      <p:pic>
+        <p:nvPicPr>
+          <p:cNvPr id="94" name="Picture 93">
+            <a:extLst>
+              <a:ext uri="{FF2B5EF4-FFF2-40B4-BE49-F238E27FC236}">
+                <a16:creationId xmlns:a16="http://schemas.microsoft.com/office/drawing/2014/main" id="{776AB855-C2A4-46F7-B0B8-BE8F66323A4C}"/>
+              </a:ext>
+            </a:extLst>
+          </p:cNvPr>
+          <p:cNvPicPr>
+            <a:picLocks noChangeAspect="1"/>
+          </p:cNvPicPr>
+          <p:nvPr/>
+        </p:nvPicPr>
+        <p:blipFill rotWithShape="1">
+          <a:blip r:embed="rId2"/>
+          <a:srcRect l="1326" t="1670" r="61397" b="1946"/>
+          <a:stretch/>
+        </p:blipFill>
+        <p:spPr>
+          <a:xfrm>
+            <a:off x="515263" y="735017"/>
+            <a:ext cx="1816640" cy="3626529"/>
+          </a:xfrm>
+          <a:prstGeom prst="rect">
+            <a:avLst/>
+          </a:prstGeom>
+        </p:spPr>
+      </p:pic>
+      <p:pic>
+        <p:nvPicPr>
+          <p:cNvPr id="95" name="Picture 94">
+            <a:extLst>
+              <a:ext uri="{FF2B5EF4-FFF2-40B4-BE49-F238E27FC236}">
+                <a16:creationId xmlns:a16="http://schemas.microsoft.com/office/drawing/2014/main" id="{9DE4DDD8-8F1E-401B-B362-1AC6CDF7F1FB}"/>
+              </a:ext>
+            </a:extLst>
+          </p:cNvPr>
+          <p:cNvPicPr>
+            <a:picLocks noChangeAspect="1"/>
+          </p:cNvPicPr>
+          <p:nvPr/>
+        </p:nvPicPr>
+        <p:blipFill rotWithShape="1">
+          <a:blip r:embed="rId2"/>
+          <a:srcRect l="60312" t="1670" r="2412" b="1946"/>
+          <a:stretch/>
+        </p:blipFill>
+        <p:spPr>
+          <a:xfrm>
+            <a:off x="2911910" y="735016"/>
+            <a:ext cx="1816640" cy="3626528"/>
+          </a:xfrm>
+          <a:prstGeom prst="rect">
+            <a:avLst/>
+          </a:prstGeom>
+        </p:spPr>
+      </p:pic>
+      <p:sp>
+        <p:nvSpPr>
+          <p:cNvPr id="41" name="TextBox 40">
+            <a:extLst>
+              <a:ext uri="{FF2B5EF4-FFF2-40B4-BE49-F238E27FC236}">
+                <a16:creationId xmlns:a16="http://schemas.microsoft.com/office/drawing/2014/main" id="{BF0E18EE-3275-49F4-B047-2196EF5EA988}"/>
+              </a:ext>
+            </a:extLst>
+          </p:cNvPr>
+          <p:cNvSpPr txBox="1"/>
+          <p:nvPr/>
+        </p:nvSpPr>
+        <p:spPr>
+          <a:xfrm>
+            <a:off x="360229" y="4600575"/>
+            <a:ext cx="1971674" cy="1754326"/>
+          </a:xfrm>
+          <a:prstGeom prst="rect">
+            <a:avLst/>
+          </a:prstGeom>
+          <a:noFill/>
+        </p:spPr>
+        <p:txBody>
+          <a:bodyPr wrap="square" rtlCol="0">
+            <a:spAutoFit/>
+          </a:bodyPr>
+          <a:lstStyle/>
+          <a:p>
+            <a:r>
+              <a:rPr lang="en-GB" sz="1200" dirty="0"/>
+              <a:t>1. The app will launch either the “Weather” or the “Track Fire” page depending on the user’s settings. If it launches on the “Weather” page, then the user taps the “Track Fire” button to switch to the “Track Fire” page. Otherwise, skip to step 2.</a:t>
+            </a:r>
+          </a:p>
+        </p:txBody>
+      </p:sp>
+      <p:pic>
+        <p:nvPicPr>
+          <p:cNvPr id="3" name="Picture 2">
+            <a:extLst>
+              <a:ext uri="{FF2B5EF4-FFF2-40B4-BE49-F238E27FC236}">
+                <a16:creationId xmlns:a16="http://schemas.microsoft.com/office/drawing/2014/main" id="{CD955820-6CCC-45CD-A176-8562645DACE8}"/>
+              </a:ext>
+            </a:extLst>
+          </p:cNvPr>
+          <p:cNvPicPr>
+            <a:picLocks noChangeAspect="1"/>
+          </p:cNvPicPr>
+          <p:nvPr/>
+        </p:nvPicPr>
+        <p:blipFill rotWithShape="1">
+          <a:blip r:embed="rId3"/>
+          <a:srcRect l="1152" t="2182" r="75621" b="2356"/>
+          <a:stretch/>
+        </p:blipFill>
+        <p:spPr>
+          <a:xfrm>
+            <a:off x="5410505" y="735015"/>
+            <a:ext cx="1803265" cy="3626529"/>
+          </a:xfrm>
+          <a:prstGeom prst="rect">
+            <a:avLst/>
+          </a:prstGeom>
+        </p:spPr>
+      </p:pic>
+      <p:pic>
+        <p:nvPicPr>
+          <p:cNvPr id="12" name="Picture 11">
+            <a:extLst>
+              <a:ext uri="{FF2B5EF4-FFF2-40B4-BE49-F238E27FC236}">
+                <a16:creationId xmlns:a16="http://schemas.microsoft.com/office/drawing/2014/main" id="{A4926453-8CC5-49A9-9BE1-549DFA2C1D2A}"/>
+              </a:ext>
+            </a:extLst>
+          </p:cNvPr>
+          <p:cNvPicPr>
+            <a:picLocks noChangeAspect="1"/>
+          </p:cNvPicPr>
+          <p:nvPr/>
+        </p:nvPicPr>
+        <p:blipFill rotWithShape="1">
+          <a:blip r:embed="rId3"/>
+          <a:srcRect l="25567" t="2182" r="51206" b="2356"/>
+          <a:stretch/>
+        </p:blipFill>
+        <p:spPr>
+          <a:xfrm>
+            <a:off x="7807152" y="735015"/>
+            <a:ext cx="1803265" cy="3626529"/>
+          </a:xfrm>
+          <a:prstGeom prst="rect">
+            <a:avLst/>
+          </a:prstGeom>
+        </p:spPr>
+      </p:pic>
+      <p:sp>
+        <p:nvSpPr>
+          <p:cNvPr id="18" name="TextBox 17">
+            <a:extLst>
+              <a:ext uri="{FF2B5EF4-FFF2-40B4-BE49-F238E27FC236}">
+                <a16:creationId xmlns:a16="http://schemas.microsoft.com/office/drawing/2014/main" id="{EDCBA096-563C-4F08-8526-57C8888C28E3}"/>
+              </a:ext>
+            </a:extLst>
+          </p:cNvPr>
+          <p:cNvSpPr txBox="1"/>
+          <p:nvPr/>
+        </p:nvSpPr>
+        <p:spPr>
+          <a:xfrm>
+            <a:off x="2756876" y="4600575"/>
+            <a:ext cx="1971674" cy="1200329"/>
+          </a:xfrm>
+          <a:prstGeom prst="rect">
+            <a:avLst/>
+          </a:prstGeom>
+          <a:noFill/>
+        </p:spPr>
+        <p:txBody>
+          <a:bodyPr wrap="square" rtlCol="0">
+            <a:spAutoFit/>
+          </a:bodyPr>
+          <a:lstStyle/>
+          <a:p>
+            <a:r>
+              <a:rPr lang="en-GB" sz="1200" dirty="0"/>
+              <a:t>2. The currently selected location will be shown in the highlighted box. If this is City X, then skip to step 9. If not, the user taps the box to open a dropdown menu.</a:t>
+            </a:r>
+          </a:p>
+        </p:txBody>
+      </p:sp>
+      <p:sp>
+        <p:nvSpPr>
+          <p:cNvPr id="19" name="TextBox 18">
+            <a:extLst>
+              <a:ext uri="{FF2B5EF4-FFF2-40B4-BE49-F238E27FC236}">
+                <a16:creationId xmlns:a16="http://schemas.microsoft.com/office/drawing/2014/main" id="{B17F1C49-C0D6-4548-96F8-76ECF75CCD85}"/>
+              </a:ext>
+            </a:extLst>
+          </p:cNvPr>
+          <p:cNvSpPr txBox="1"/>
+          <p:nvPr/>
+        </p:nvSpPr>
+        <p:spPr>
+          <a:xfrm>
+            <a:off x="5242096" y="4600575"/>
+            <a:ext cx="1971674" cy="1015663"/>
+          </a:xfrm>
+          <a:prstGeom prst="rect">
+            <a:avLst/>
+          </a:prstGeom>
+          <a:noFill/>
+        </p:spPr>
+        <p:txBody>
+          <a:bodyPr wrap="square" rtlCol="0">
+            <a:spAutoFit/>
+          </a:bodyPr>
+          <a:lstStyle/>
+          <a:p>
+            <a:r>
+              <a:rPr lang="en-GB" sz="1200" dirty="0"/>
+              <a:t>3. A list of available cities will appear. If City X is one of them, skip to step 8. If not, the user taps “Edit Locations”.</a:t>
+            </a:r>
+          </a:p>
+        </p:txBody>
+      </p:sp>
+      <p:sp>
+        <p:nvSpPr>
+          <p:cNvPr id="20" name="TextBox 19">
+            <a:extLst>
+              <a:ext uri="{FF2B5EF4-FFF2-40B4-BE49-F238E27FC236}">
+                <a16:creationId xmlns:a16="http://schemas.microsoft.com/office/drawing/2014/main" id="{5E283988-5586-4C04-9837-63373334CFE1}"/>
+              </a:ext>
+            </a:extLst>
+          </p:cNvPr>
+          <p:cNvSpPr txBox="1"/>
+          <p:nvPr/>
+        </p:nvSpPr>
+        <p:spPr>
+          <a:xfrm>
+            <a:off x="7604377" y="4508241"/>
+            <a:ext cx="1971674" cy="646331"/>
+          </a:xfrm>
+          <a:prstGeom prst="rect">
+            <a:avLst/>
+          </a:prstGeom>
+          <a:noFill/>
+        </p:spPr>
+        <p:txBody>
+          <a:bodyPr wrap="square" rtlCol="0">
+            <a:spAutoFit/>
+          </a:bodyPr>
+          <a:lstStyle/>
+          <a:p>
+            <a:r>
+              <a:rPr lang="en-GB" sz="1200" dirty="0"/>
+              <a:t>4. The user taps “New Location” to move to a location search page.</a:t>
+            </a:r>
+          </a:p>
+        </p:txBody>
+      </p:sp>
+      <p:pic>
+        <p:nvPicPr>
+          <p:cNvPr id="21" name="Picture 20">
+            <a:extLst>
+              <a:ext uri="{FF2B5EF4-FFF2-40B4-BE49-F238E27FC236}">
+                <a16:creationId xmlns:a16="http://schemas.microsoft.com/office/drawing/2014/main" id="{0E34D5CE-A5C7-4B05-9283-FD97877F0525}"/>
+              </a:ext>
+            </a:extLst>
+          </p:cNvPr>
+          <p:cNvPicPr>
+            <a:picLocks noChangeAspect="1"/>
+          </p:cNvPicPr>
+          <p:nvPr/>
+        </p:nvPicPr>
+        <p:blipFill rotWithShape="1">
+          <a:blip r:embed="rId3"/>
+          <a:srcRect l="51025" t="2182" r="25747" b="2356"/>
+          <a:stretch/>
+        </p:blipFill>
+        <p:spPr>
+          <a:xfrm>
+            <a:off x="10082213" y="735015"/>
+            <a:ext cx="1803265" cy="3626529"/>
+          </a:xfrm>
+          <a:prstGeom prst="rect">
+            <a:avLst/>
+          </a:prstGeom>
+        </p:spPr>
+      </p:pic>
+      <p:sp>
+        <p:nvSpPr>
+          <p:cNvPr id="22" name="TextBox 21">
+            <a:extLst>
+              <a:ext uri="{FF2B5EF4-FFF2-40B4-BE49-F238E27FC236}">
+                <a16:creationId xmlns:a16="http://schemas.microsoft.com/office/drawing/2014/main" id="{4EC8A9B1-F50E-4042-88F1-344F47A3ED82}"/>
+              </a:ext>
+            </a:extLst>
+          </p:cNvPr>
+          <p:cNvSpPr txBox="1"/>
+          <p:nvPr/>
+        </p:nvSpPr>
+        <p:spPr>
+          <a:xfrm>
+            <a:off x="9966658" y="4508241"/>
+            <a:ext cx="1971674" cy="276999"/>
+          </a:xfrm>
+          <a:prstGeom prst="rect">
+            <a:avLst/>
+          </a:prstGeom>
+          <a:noFill/>
+        </p:spPr>
+        <p:txBody>
+          <a:bodyPr wrap="square" rtlCol="0">
+            <a:spAutoFit/>
+          </a:bodyPr>
+          <a:lstStyle/>
+          <a:p>
+            <a:r>
+              <a:rPr lang="en-GB" sz="1200" dirty="0"/>
+              <a:t>Step 5 is on the next slide.</a:t>
+            </a:r>
+          </a:p>
+        </p:txBody>
+      </p:sp>
+      <p:cxnSp>
+        <p:nvCxnSpPr>
+          <p:cNvPr id="5" name="Straight Arrow Connector 4">
+            <a:extLst>
+              <a:ext uri="{FF2B5EF4-FFF2-40B4-BE49-F238E27FC236}">
+                <a16:creationId xmlns:a16="http://schemas.microsoft.com/office/drawing/2014/main" id="{C6AF6CB2-DA60-499F-A54D-4AFCFDB45161}"/>
+              </a:ext>
+            </a:extLst>
+          </p:cNvPr>
+          <p:cNvCxnSpPr/>
+          <p:nvPr/>
+        </p:nvCxnSpPr>
+        <p:spPr>
+          <a:xfrm flipV="1">
+            <a:off x="2028825" y="2419350"/>
+            <a:ext cx="800100" cy="1362075"/>
+          </a:xfrm>
+          <a:prstGeom prst="straightConnector1">
+            <a:avLst/>
+          </a:prstGeom>
+          <a:ln w="38100">
+            <a:tailEnd type="triangle"/>
+          </a:ln>
+        </p:spPr>
+        <p:style>
+          <a:lnRef idx="1">
+            <a:schemeClr val="accent1"/>
+          </a:lnRef>
+          <a:fillRef idx="0">
+            <a:schemeClr val="accent1"/>
+          </a:fillRef>
+          <a:effectRef idx="0">
+            <a:schemeClr val="accent1"/>
+          </a:effectRef>
+          <a:fontRef idx="minor">
+            <a:schemeClr val="tx1"/>
+          </a:fontRef>
+        </p:style>
+      </p:cxnSp>
+      <p:cxnSp>
+        <p:nvCxnSpPr>
+          <p:cNvPr id="25" name="Straight Arrow Connector 24">
+            <a:extLst>
+              <a:ext uri="{FF2B5EF4-FFF2-40B4-BE49-F238E27FC236}">
+                <a16:creationId xmlns:a16="http://schemas.microsoft.com/office/drawing/2014/main" id="{93EBF2F4-B878-4E3C-98AE-29FF133084B2}"/>
+              </a:ext>
+            </a:extLst>
+          </p:cNvPr>
+          <p:cNvCxnSpPr>
+            <a:cxnSpLocks/>
+          </p:cNvCxnSpPr>
+          <p:nvPr/>
+        </p:nvCxnSpPr>
+        <p:spPr>
+          <a:xfrm>
+            <a:off x="4486275" y="1241762"/>
+            <a:ext cx="857250" cy="996613"/>
+          </a:xfrm>
+          <a:prstGeom prst="straightConnector1">
+            <a:avLst/>
+          </a:prstGeom>
+          <a:ln w="38100">
+            <a:tailEnd type="triangle"/>
+          </a:ln>
+        </p:spPr>
+        <p:style>
+          <a:lnRef idx="1">
+            <a:schemeClr val="accent1"/>
+          </a:lnRef>
+          <a:fillRef idx="0">
+            <a:schemeClr val="accent1"/>
+          </a:fillRef>
+          <a:effectRef idx="0">
+            <a:schemeClr val="accent1"/>
+          </a:effectRef>
+          <a:fontRef idx="minor">
+            <a:schemeClr val="tx1"/>
+          </a:fontRef>
+        </p:style>
+      </p:cxnSp>
+      <p:cxnSp>
+        <p:nvCxnSpPr>
+          <p:cNvPr id="29" name="Straight Arrow Connector 28">
+            <a:extLst>
+              <a:ext uri="{FF2B5EF4-FFF2-40B4-BE49-F238E27FC236}">
+                <a16:creationId xmlns:a16="http://schemas.microsoft.com/office/drawing/2014/main" id="{3844FEA3-D42A-481B-9C9D-43D877AEAB47}"/>
+              </a:ext>
+            </a:extLst>
+          </p:cNvPr>
+          <p:cNvCxnSpPr>
+            <a:cxnSpLocks/>
+          </p:cNvCxnSpPr>
+          <p:nvPr/>
+        </p:nvCxnSpPr>
+        <p:spPr>
+          <a:xfrm flipV="1">
+            <a:off x="6848477" y="2257425"/>
+            <a:ext cx="958675" cy="161925"/>
+          </a:xfrm>
+          <a:prstGeom prst="straightConnector1">
+            <a:avLst/>
+          </a:prstGeom>
+          <a:ln w="38100">
+            <a:tailEnd type="triangle"/>
+          </a:ln>
+        </p:spPr>
+        <p:style>
+          <a:lnRef idx="1">
+            <a:schemeClr val="accent1"/>
+          </a:lnRef>
+          <a:fillRef idx="0">
+            <a:schemeClr val="accent1"/>
+          </a:fillRef>
+          <a:effectRef idx="0">
+            <a:schemeClr val="accent1"/>
+          </a:effectRef>
+          <a:fontRef idx="minor">
+            <a:schemeClr val="tx1"/>
+          </a:fontRef>
+        </p:style>
+      </p:cxnSp>
+      <p:cxnSp>
+        <p:nvCxnSpPr>
+          <p:cNvPr id="32" name="Straight Arrow Connector 31">
+            <a:extLst>
+              <a:ext uri="{FF2B5EF4-FFF2-40B4-BE49-F238E27FC236}">
+                <a16:creationId xmlns:a16="http://schemas.microsoft.com/office/drawing/2014/main" id="{CC27FCE4-B095-489C-81E8-A0946AF14326}"/>
+              </a:ext>
+            </a:extLst>
+          </p:cNvPr>
+          <p:cNvCxnSpPr>
+            <a:cxnSpLocks/>
+          </p:cNvCxnSpPr>
+          <p:nvPr/>
+        </p:nvCxnSpPr>
+        <p:spPr>
+          <a:xfrm flipV="1">
+            <a:off x="9280090" y="2257425"/>
+            <a:ext cx="686568" cy="152400"/>
+          </a:xfrm>
+          <a:prstGeom prst="straightConnector1">
+            <a:avLst/>
+          </a:prstGeom>
+          <a:ln w="38100">
+            <a:tailEnd type="triangle"/>
+          </a:ln>
+        </p:spPr>
+        <p:style>
+          <a:lnRef idx="1">
+            <a:schemeClr val="accent1"/>
+          </a:lnRef>
+          <a:fillRef idx="0">
+            <a:schemeClr val="accent1"/>
+          </a:fillRef>
+          <a:effectRef idx="0">
+            <a:schemeClr val="accent1"/>
+          </a:effectRef>
+          <a:fontRef idx="minor">
+            <a:schemeClr val="tx1"/>
+          </a:fontRef>
+        </p:style>
+      </p:cxnSp>
+    </p:spTree>
+    <p:extLst>
+      <p:ext uri="{BB962C8B-B14F-4D97-AF65-F5344CB8AC3E}">
+        <p14:creationId xmlns:p14="http://schemas.microsoft.com/office/powerpoint/2010/main" val="1495422416"/>
+      </p:ext>
+    </p:extLst>
+  </p:cSld>
+  <p:clrMapOvr>
+    <a:masterClrMapping/>
+  </p:clrMapOvr>
+</p:sld>
+</file>
+
+<file path=ppt/slides/slide11.xml><?xml version="1.0" encoding="utf-8"?>
+<p:sld xmlns:a="http://schemas.openxmlformats.org/drawingml/2006/main" xmlns:r="http://schemas.openxmlformats.org/officeDocument/2006/relationships" xmlns:p="http://schemas.openxmlformats.org/presentationml/2006/main">
+  <p:cSld>
+    <p:spTree>
+      <p:nvGrpSpPr>
+        <p:cNvPr id="1" name=""/>
+        <p:cNvGrpSpPr/>
+        <p:nvPr/>
+      </p:nvGrpSpPr>
+      <p:grpSpPr>
+        <a:xfrm>
+          <a:off x="0" y="0"/>
+          <a:ext cx="0" cy="0"/>
+          <a:chOff x="0" y="0"/>
+          <a:chExt cx="0" cy="0"/>
+        </a:xfrm>
+      </p:grpSpPr>
+      <p:sp>
+        <p:nvSpPr>
+          <p:cNvPr id="104" name="TextBox 103">
+            <a:extLst>
+              <a:ext uri="{FF2B5EF4-FFF2-40B4-BE49-F238E27FC236}">
+                <a16:creationId xmlns:a16="http://schemas.microsoft.com/office/drawing/2014/main" id="{4508642E-2AB4-4CF5-993C-2E12F24B9309}"/>
+              </a:ext>
+            </a:extLst>
+          </p:cNvPr>
+          <p:cNvSpPr txBox="1"/>
+          <p:nvPr/>
+        </p:nvSpPr>
+        <p:spPr>
+          <a:xfrm>
+            <a:off x="103925" y="95878"/>
+            <a:ext cx="6268995" cy="400110"/>
+          </a:xfrm>
+          <a:prstGeom prst="rect">
+            <a:avLst/>
+          </a:prstGeom>
+          <a:noFill/>
+        </p:spPr>
+        <p:txBody>
+          <a:bodyPr wrap="square" rtlCol="0">
+            <a:spAutoFit/>
+          </a:bodyPr>
+          <a:lstStyle/>
+          <a:p>
+            <a:r>
+              <a:rPr lang="en-GB" sz="2000" b="1" dirty="0"/>
+              <a:t>Task 3: Track a fire in city X continued</a:t>
+            </a:r>
+          </a:p>
+        </p:txBody>
+      </p:sp>
+      <p:sp>
+        <p:nvSpPr>
+          <p:cNvPr id="41" name="TextBox 40">
+            <a:extLst>
+              <a:ext uri="{FF2B5EF4-FFF2-40B4-BE49-F238E27FC236}">
+                <a16:creationId xmlns:a16="http://schemas.microsoft.com/office/drawing/2014/main" id="{BF0E18EE-3275-49F4-B047-2196EF5EA988}"/>
+              </a:ext>
+            </a:extLst>
+          </p:cNvPr>
+          <p:cNvSpPr txBox="1"/>
+          <p:nvPr/>
+        </p:nvSpPr>
+        <p:spPr>
+          <a:xfrm>
+            <a:off x="360229" y="4600575"/>
+            <a:ext cx="1971674" cy="1569660"/>
+          </a:xfrm>
+          <a:prstGeom prst="rect">
+            <a:avLst/>
+          </a:prstGeom>
+          <a:noFill/>
+        </p:spPr>
+        <p:txBody>
+          <a:bodyPr wrap="square" rtlCol="0">
+            <a:spAutoFit/>
+          </a:bodyPr>
+          <a:lstStyle/>
+          <a:p>
+            <a:r>
+              <a:rPr lang="en-GB" sz="1200" dirty="0"/>
+              <a:t>5. The user taps on the placeholder text “Location” in the search box. This brings up a keyboard with which they will type “City X”. As they type, better-matching results will populate the list below.</a:t>
+            </a:r>
+          </a:p>
+        </p:txBody>
+      </p:sp>
+      <p:pic>
+        <p:nvPicPr>
+          <p:cNvPr id="13" name="Picture 12">
+            <a:extLst>
+              <a:ext uri="{FF2B5EF4-FFF2-40B4-BE49-F238E27FC236}">
+                <a16:creationId xmlns:a16="http://schemas.microsoft.com/office/drawing/2014/main" id="{CA1A3978-4C3B-4203-B7C6-82152759C689}"/>
+              </a:ext>
+            </a:extLst>
+          </p:cNvPr>
+          <p:cNvPicPr>
+            <a:picLocks noChangeAspect="1"/>
+          </p:cNvPicPr>
+          <p:nvPr/>
+        </p:nvPicPr>
+        <p:blipFill rotWithShape="1">
+          <a:blip r:embed="rId2"/>
+          <a:srcRect l="51025" t="2182" r="25747" b="2356"/>
+          <a:stretch/>
+        </p:blipFill>
+        <p:spPr>
+          <a:xfrm>
+            <a:off x="528638" y="867678"/>
+            <a:ext cx="1803265" cy="3626529"/>
+          </a:xfrm>
+          <a:prstGeom prst="rect">
+            <a:avLst/>
+          </a:prstGeom>
+        </p:spPr>
+      </p:pic>
+      <p:pic>
+        <p:nvPicPr>
+          <p:cNvPr id="14" name="Picture 13">
+            <a:extLst>
+              <a:ext uri="{FF2B5EF4-FFF2-40B4-BE49-F238E27FC236}">
+                <a16:creationId xmlns:a16="http://schemas.microsoft.com/office/drawing/2014/main" id="{A2835A48-6112-4618-B4BB-29346F48D53B}"/>
+              </a:ext>
+            </a:extLst>
+          </p:cNvPr>
+          <p:cNvPicPr>
+            <a:picLocks noChangeAspect="1"/>
+          </p:cNvPicPr>
+          <p:nvPr/>
+        </p:nvPicPr>
+        <p:blipFill rotWithShape="1">
+          <a:blip r:embed="rId2"/>
+          <a:srcRect l="75364" t="2182" r="1409" b="2356"/>
+          <a:stretch/>
+        </p:blipFill>
+        <p:spPr>
+          <a:xfrm>
+            <a:off x="2848052" y="867677"/>
+            <a:ext cx="1803265" cy="3626529"/>
+          </a:xfrm>
+          <a:prstGeom prst="rect">
+            <a:avLst/>
+          </a:prstGeom>
+        </p:spPr>
+      </p:pic>
+      <p:pic>
+        <p:nvPicPr>
+          <p:cNvPr id="4" name="Picture 3">
+            <a:extLst>
+              <a:ext uri="{FF2B5EF4-FFF2-40B4-BE49-F238E27FC236}">
+                <a16:creationId xmlns:a16="http://schemas.microsoft.com/office/drawing/2014/main" id="{B06D69DA-A665-432C-B7A3-D590660CFF65}"/>
+              </a:ext>
+            </a:extLst>
+          </p:cNvPr>
+          <p:cNvPicPr>
+            <a:picLocks noChangeAspect="1"/>
+          </p:cNvPicPr>
+          <p:nvPr/>
+        </p:nvPicPr>
+        <p:blipFill rotWithShape="1">
+          <a:blip r:embed="rId3"/>
+          <a:srcRect l="1757" t="3234" r="66510" b="2000"/>
+          <a:stretch/>
+        </p:blipFill>
+        <p:spPr>
+          <a:xfrm>
+            <a:off x="5167466" y="868347"/>
+            <a:ext cx="1803264" cy="3625859"/>
+          </a:xfrm>
+          <a:prstGeom prst="rect">
+            <a:avLst/>
+          </a:prstGeom>
+        </p:spPr>
+      </p:pic>
+      <p:pic>
+        <p:nvPicPr>
+          <p:cNvPr id="15" name="Picture 14">
+            <a:extLst>
+              <a:ext uri="{FF2B5EF4-FFF2-40B4-BE49-F238E27FC236}">
+                <a16:creationId xmlns:a16="http://schemas.microsoft.com/office/drawing/2014/main" id="{935DC1AE-5C89-4456-9825-9378096ADB30}"/>
+              </a:ext>
+            </a:extLst>
+          </p:cNvPr>
+          <p:cNvPicPr>
+            <a:picLocks noChangeAspect="1"/>
+          </p:cNvPicPr>
+          <p:nvPr/>
+        </p:nvPicPr>
+        <p:blipFill rotWithShape="1">
+          <a:blip r:embed="rId3"/>
+          <a:srcRect l="34544" t="3234" r="33724" b="2000"/>
+          <a:stretch/>
+        </p:blipFill>
+        <p:spPr>
+          <a:xfrm>
+            <a:off x="7486879" y="867676"/>
+            <a:ext cx="1803264" cy="3625859"/>
+          </a:xfrm>
+          <a:prstGeom prst="rect">
+            <a:avLst/>
+          </a:prstGeom>
+        </p:spPr>
+      </p:pic>
+      <p:pic>
+        <p:nvPicPr>
+          <p:cNvPr id="16" name="Picture 15">
+            <a:extLst>
+              <a:ext uri="{FF2B5EF4-FFF2-40B4-BE49-F238E27FC236}">
+                <a16:creationId xmlns:a16="http://schemas.microsoft.com/office/drawing/2014/main" id="{85FE42E8-FF74-447A-84A6-C88E1B352079}"/>
+              </a:ext>
+            </a:extLst>
+          </p:cNvPr>
+          <p:cNvPicPr>
+            <a:picLocks noChangeAspect="1"/>
+          </p:cNvPicPr>
+          <p:nvPr/>
+        </p:nvPicPr>
+        <p:blipFill rotWithShape="1">
+          <a:blip r:embed="rId3"/>
+          <a:srcRect l="68267" t="3234" b="2000"/>
+          <a:stretch/>
+        </p:blipFill>
+        <p:spPr>
+          <a:xfrm>
+            <a:off x="9860098" y="867676"/>
+            <a:ext cx="1803264" cy="3625859"/>
+          </a:xfrm>
+          <a:prstGeom prst="rect">
+            <a:avLst/>
+          </a:prstGeom>
+        </p:spPr>
+      </p:pic>
+      <p:sp>
+        <p:nvSpPr>
+          <p:cNvPr id="17" name="TextBox 16">
+            <a:extLst>
+              <a:ext uri="{FF2B5EF4-FFF2-40B4-BE49-F238E27FC236}">
+                <a16:creationId xmlns:a16="http://schemas.microsoft.com/office/drawing/2014/main" id="{745D6A78-B9E4-493B-8EE1-09EA9B0DDFB2}"/>
+              </a:ext>
+            </a:extLst>
+          </p:cNvPr>
+          <p:cNvSpPr txBox="1"/>
+          <p:nvPr/>
+        </p:nvSpPr>
+        <p:spPr>
+          <a:xfrm>
+            <a:off x="2679643" y="4600574"/>
+            <a:ext cx="1971674" cy="1200329"/>
+          </a:xfrm>
+          <a:prstGeom prst="rect">
+            <a:avLst/>
+          </a:prstGeom>
+          <a:noFill/>
+        </p:spPr>
+        <p:txBody>
+          <a:bodyPr wrap="square" rtlCol="0">
+            <a:spAutoFit/>
+          </a:bodyPr>
+          <a:lstStyle/>
+          <a:p>
+            <a:r>
+              <a:rPr lang="en-GB" sz="1200" dirty="0"/>
+              <a:t>6. The user taps on the name of the closest match to City X in the results list below the search bar. This brings them back to the dropdown list.</a:t>
+            </a:r>
+          </a:p>
+        </p:txBody>
+      </p:sp>
+      <p:sp>
+        <p:nvSpPr>
+          <p:cNvPr id="18" name="TextBox 17">
+            <a:extLst>
+              <a:ext uri="{FF2B5EF4-FFF2-40B4-BE49-F238E27FC236}">
+                <a16:creationId xmlns:a16="http://schemas.microsoft.com/office/drawing/2014/main" id="{4D73FE51-5B43-4DDD-9E91-6708A7E27381}"/>
+              </a:ext>
+            </a:extLst>
+          </p:cNvPr>
+          <p:cNvSpPr txBox="1"/>
+          <p:nvPr/>
+        </p:nvSpPr>
+        <p:spPr>
+          <a:xfrm>
+            <a:off x="4999057" y="4600574"/>
+            <a:ext cx="1971674" cy="461665"/>
+          </a:xfrm>
+          <a:prstGeom prst="rect">
+            <a:avLst/>
+          </a:prstGeom>
+          <a:noFill/>
+        </p:spPr>
+        <p:txBody>
+          <a:bodyPr wrap="square" rtlCol="0">
+            <a:spAutoFit/>
+          </a:bodyPr>
+          <a:lstStyle/>
+          <a:p>
+            <a:r>
+              <a:rPr lang="en-GB" sz="1200" dirty="0"/>
+              <a:t>7. The user taps “Done Editing”.</a:t>
+            </a:r>
+          </a:p>
+        </p:txBody>
+      </p:sp>
+      <p:sp>
+        <p:nvSpPr>
+          <p:cNvPr id="19" name="TextBox 18">
+            <a:extLst>
+              <a:ext uri="{FF2B5EF4-FFF2-40B4-BE49-F238E27FC236}">
+                <a16:creationId xmlns:a16="http://schemas.microsoft.com/office/drawing/2014/main" id="{A9A7779B-F7DB-40CD-8821-D13D4BBA56D3}"/>
+              </a:ext>
+            </a:extLst>
+          </p:cNvPr>
+          <p:cNvSpPr txBox="1"/>
+          <p:nvPr/>
+        </p:nvSpPr>
+        <p:spPr>
+          <a:xfrm>
+            <a:off x="7318469" y="4600574"/>
+            <a:ext cx="1971674" cy="646331"/>
+          </a:xfrm>
+          <a:prstGeom prst="rect">
+            <a:avLst/>
+          </a:prstGeom>
+          <a:noFill/>
+        </p:spPr>
+        <p:txBody>
+          <a:bodyPr wrap="square" rtlCol="0">
+            <a:spAutoFit/>
+          </a:bodyPr>
+          <a:lstStyle/>
+          <a:p>
+            <a:r>
+              <a:rPr lang="en-GB" sz="1200" dirty="0"/>
+              <a:t>8. The user taps “City X”. This closes the dropdown menu.</a:t>
+            </a:r>
+          </a:p>
+        </p:txBody>
+      </p:sp>
+      <p:sp>
+        <p:nvSpPr>
+          <p:cNvPr id="20" name="TextBox 19">
+            <a:extLst>
+              <a:ext uri="{FF2B5EF4-FFF2-40B4-BE49-F238E27FC236}">
+                <a16:creationId xmlns:a16="http://schemas.microsoft.com/office/drawing/2014/main" id="{2CAA672C-AF03-4143-9A6B-6527AE8A00BE}"/>
+              </a:ext>
+            </a:extLst>
+          </p:cNvPr>
+          <p:cNvSpPr txBox="1"/>
+          <p:nvPr/>
+        </p:nvSpPr>
+        <p:spPr>
+          <a:xfrm>
+            <a:off x="9775893" y="4600574"/>
+            <a:ext cx="1971674" cy="461665"/>
+          </a:xfrm>
+          <a:prstGeom prst="rect">
+            <a:avLst/>
+          </a:prstGeom>
+          <a:noFill/>
+        </p:spPr>
+        <p:txBody>
+          <a:bodyPr wrap="square" rtlCol="0">
+            <a:spAutoFit/>
+          </a:bodyPr>
+          <a:lstStyle/>
+          <a:p>
+            <a:r>
+              <a:rPr lang="en-GB" sz="1200" dirty="0"/>
+              <a:t>9. Any and all fires in City X are shown here.</a:t>
+            </a:r>
+          </a:p>
+        </p:txBody>
+      </p:sp>
+      <p:cxnSp>
+        <p:nvCxnSpPr>
+          <p:cNvPr id="21" name="Straight Arrow Connector 20">
+            <a:extLst>
+              <a:ext uri="{FF2B5EF4-FFF2-40B4-BE49-F238E27FC236}">
+                <a16:creationId xmlns:a16="http://schemas.microsoft.com/office/drawing/2014/main" id="{149EA7B3-9A78-4055-87B2-7DB3FA9D6F32}"/>
+              </a:ext>
+            </a:extLst>
+          </p:cNvPr>
+          <p:cNvCxnSpPr>
+            <a:cxnSpLocks/>
+          </p:cNvCxnSpPr>
+          <p:nvPr/>
+        </p:nvCxnSpPr>
+        <p:spPr>
+          <a:xfrm>
+            <a:off x="1933575" y="1800225"/>
+            <a:ext cx="819150" cy="552450"/>
+          </a:xfrm>
+          <a:prstGeom prst="straightConnector1">
+            <a:avLst/>
+          </a:prstGeom>
+          <a:ln w="38100">
+            <a:tailEnd type="triangle"/>
+          </a:ln>
+        </p:spPr>
+        <p:style>
+          <a:lnRef idx="1">
+            <a:schemeClr val="accent1"/>
+          </a:lnRef>
+          <a:fillRef idx="0">
+            <a:schemeClr val="accent1"/>
+          </a:fillRef>
+          <a:effectRef idx="0">
+            <a:schemeClr val="accent1"/>
+          </a:effectRef>
+          <a:fontRef idx="minor">
+            <a:schemeClr val="tx1"/>
+          </a:fontRef>
+        </p:style>
+      </p:cxnSp>
+      <p:cxnSp>
+        <p:nvCxnSpPr>
+          <p:cNvPr id="22" name="Straight Arrow Connector 21">
+            <a:extLst>
+              <a:ext uri="{FF2B5EF4-FFF2-40B4-BE49-F238E27FC236}">
+                <a16:creationId xmlns:a16="http://schemas.microsoft.com/office/drawing/2014/main" id="{85B972ED-E361-4F4C-9A95-EACC41B418F9}"/>
+              </a:ext>
+            </a:extLst>
+          </p:cNvPr>
+          <p:cNvCxnSpPr>
+            <a:cxnSpLocks/>
+          </p:cNvCxnSpPr>
+          <p:nvPr/>
+        </p:nvCxnSpPr>
+        <p:spPr>
+          <a:xfrm>
+            <a:off x="4410075" y="2257425"/>
+            <a:ext cx="757391" cy="95250"/>
+          </a:xfrm>
+          <a:prstGeom prst="straightConnector1">
+            <a:avLst/>
+          </a:prstGeom>
+          <a:ln w="38100">
+            <a:tailEnd type="triangle"/>
+          </a:ln>
+        </p:spPr>
+        <p:style>
+          <a:lnRef idx="1">
+            <a:schemeClr val="accent1"/>
+          </a:lnRef>
+          <a:fillRef idx="0">
+            <a:schemeClr val="accent1"/>
+          </a:fillRef>
+          <a:effectRef idx="0">
+            <a:schemeClr val="accent1"/>
+          </a:effectRef>
+          <a:fontRef idx="minor">
+            <a:schemeClr val="tx1"/>
+          </a:fontRef>
+        </p:style>
+      </p:cxnSp>
+      <p:cxnSp>
+        <p:nvCxnSpPr>
+          <p:cNvPr id="25" name="Straight Arrow Connector 24">
+            <a:extLst>
+              <a:ext uri="{FF2B5EF4-FFF2-40B4-BE49-F238E27FC236}">
+                <a16:creationId xmlns:a16="http://schemas.microsoft.com/office/drawing/2014/main" id="{D9DB5E2C-9D23-41D3-87D3-934FD0DCE2EF}"/>
+              </a:ext>
+            </a:extLst>
+          </p:cNvPr>
+          <p:cNvCxnSpPr>
+            <a:cxnSpLocks/>
+          </p:cNvCxnSpPr>
+          <p:nvPr/>
+        </p:nvCxnSpPr>
+        <p:spPr>
+          <a:xfrm flipV="1">
+            <a:off x="6667500" y="2352675"/>
+            <a:ext cx="752475" cy="752476"/>
+          </a:xfrm>
+          <a:prstGeom prst="straightConnector1">
+            <a:avLst/>
+          </a:prstGeom>
+          <a:ln w="38100">
+            <a:tailEnd type="triangle"/>
+          </a:ln>
+        </p:spPr>
+        <p:style>
+          <a:lnRef idx="1">
+            <a:schemeClr val="accent1"/>
+          </a:lnRef>
+          <a:fillRef idx="0">
+            <a:schemeClr val="accent1"/>
+          </a:fillRef>
+          <a:effectRef idx="0">
+            <a:schemeClr val="accent1"/>
+          </a:effectRef>
+          <a:fontRef idx="minor">
+            <a:schemeClr val="tx1"/>
+          </a:fontRef>
+        </p:style>
+      </p:cxnSp>
+      <p:cxnSp>
+        <p:nvCxnSpPr>
+          <p:cNvPr id="28" name="Straight Arrow Connector 27">
+            <a:extLst>
+              <a:ext uri="{FF2B5EF4-FFF2-40B4-BE49-F238E27FC236}">
+                <a16:creationId xmlns:a16="http://schemas.microsoft.com/office/drawing/2014/main" id="{11EEC2EB-C6CF-495D-9F64-C55B34655157}"/>
+              </a:ext>
+            </a:extLst>
+          </p:cNvPr>
+          <p:cNvCxnSpPr>
+            <a:cxnSpLocks/>
+          </p:cNvCxnSpPr>
+          <p:nvPr/>
+        </p:nvCxnSpPr>
+        <p:spPr>
+          <a:xfrm>
+            <a:off x="8753475" y="2505075"/>
+            <a:ext cx="1022418" cy="0"/>
+          </a:xfrm>
+          <a:prstGeom prst="straightConnector1">
+            <a:avLst/>
+          </a:prstGeom>
+          <a:ln w="38100">
+            <a:tailEnd type="triangle"/>
+          </a:ln>
+        </p:spPr>
+        <p:style>
+          <a:lnRef idx="1">
+            <a:schemeClr val="accent1"/>
+          </a:lnRef>
+          <a:fillRef idx="0">
+            <a:schemeClr val="accent1"/>
+          </a:fillRef>
+          <a:effectRef idx="0">
+            <a:schemeClr val="accent1"/>
+          </a:effectRef>
+          <a:fontRef idx="minor">
+            <a:schemeClr val="tx1"/>
+          </a:fontRef>
+        </p:style>
+      </p:cxnSp>
+    </p:spTree>
+    <p:extLst>
+      <p:ext uri="{BB962C8B-B14F-4D97-AF65-F5344CB8AC3E}">
+        <p14:creationId xmlns:p14="http://schemas.microsoft.com/office/powerpoint/2010/main" val="2097394840"/>
+      </p:ext>
+    </p:extLst>
+  </p:cSld>
+  <p:clrMapOvr>
+    <a:masterClrMapping/>
+  </p:clrMapOvr>
+</p:sld>
+</file>
+
+<file path=ppt/slides/slide12.xml><?xml version="1.0" encoding="utf-8"?>
+<p:sld xmlns:a="http://schemas.openxmlformats.org/drawingml/2006/main" xmlns:r="http://schemas.openxmlformats.org/officeDocument/2006/relationships" xmlns:p="http://schemas.openxmlformats.org/presentationml/2006/main">
+  <p:cSld>
+    <p:spTree>
+      <p:nvGrpSpPr>
+        <p:cNvPr id="1" name=""/>
+        <p:cNvGrpSpPr/>
+        <p:nvPr/>
+      </p:nvGrpSpPr>
+      <p:grpSpPr>
+        <a:xfrm>
+          <a:off x="0" y="0"/>
+          <a:ext cx="0" cy="0"/>
+          <a:chOff x="0" y="0"/>
+          <a:chExt cx="0" cy="0"/>
+        </a:xfrm>
+      </p:grpSpPr>
+      <p:sp>
+        <p:nvSpPr>
+          <p:cNvPr id="4" name="TextBox 3">
+            <a:extLst>
+              <a:ext uri="{FF2B5EF4-FFF2-40B4-BE49-F238E27FC236}">
+                <a16:creationId xmlns:a16="http://schemas.microsoft.com/office/drawing/2014/main" id="{11EDDF5C-4E44-43CE-BF65-4411D72BEF93}"/>
+              </a:ext>
+            </a:extLst>
+          </p:cNvPr>
+          <p:cNvSpPr txBox="1"/>
+          <p:nvPr/>
+        </p:nvSpPr>
+        <p:spPr>
+          <a:xfrm>
+            <a:off x="103925" y="95878"/>
+            <a:ext cx="6268995" cy="400110"/>
+          </a:xfrm>
+          <a:prstGeom prst="rect">
+            <a:avLst/>
+          </a:prstGeom>
+          <a:noFill/>
+        </p:spPr>
+        <p:txBody>
+          <a:bodyPr wrap="square" rtlCol="0">
+            <a:spAutoFit/>
+          </a:bodyPr>
+          <a:lstStyle/>
+          <a:p>
+            <a:r>
+              <a:rPr lang="en-GB" sz="2000" b="1" dirty="0"/>
+              <a:t>Task 3: Track a fire in city X: Task model</a:t>
+            </a:r>
+          </a:p>
+        </p:txBody>
+      </p:sp>
+      <p:pic>
+        <p:nvPicPr>
+          <p:cNvPr id="6" name="Picture 5">
+            <a:extLst>
+              <a:ext uri="{FF2B5EF4-FFF2-40B4-BE49-F238E27FC236}">
+                <a16:creationId xmlns:a16="http://schemas.microsoft.com/office/drawing/2014/main" id="{091637CE-A2A5-4810-A9B9-918A026A4FB8}"/>
+              </a:ext>
+            </a:extLst>
+          </p:cNvPr>
+          <p:cNvPicPr>
+            <a:picLocks noChangeAspect="1"/>
+          </p:cNvPicPr>
+          <p:nvPr/>
+        </p:nvPicPr>
+        <p:blipFill>
+          <a:blip r:embed="rId2">
+            <a:extLst>
+              <a:ext uri="{28A0092B-C50C-407E-A947-70E740481C1C}">
+                <a14:useLocalDpi xmlns:a14="http://schemas.microsoft.com/office/drawing/2010/main" val="0"/>
+              </a:ext>
+            </a:extLst>
+          </a:blip>
+          <a:stretch>
+            <a:fillRect/>
+          </a:stretch>
+        </p:blipFill>
+        <p:spPr>
+          <a:xfrm>
+            <a:off x="2471737" y="1233487"/>
+            <a:ext cx="7248525" cy="4391025"/>
+          </a:xfrm>
+          <a:prstGeom prst="rect">
+            <a:avLst/>
+          </a:prstGeom>
+        </p:spPr>
+      </p:pic>
+    </p:spTree>
+    <p:extLst>
+      <p:ext uri="{BB962C8B-B14F-4D97-AF65-F5344CB8AC3E}">
+        <p14:creationId xmlns:p14="http://schemas.microsoft.com/office/powerpoint/2010/main" val="4080550407"/>
+      </p:ext>
+    </p:extLst>
+  </p:cSld>
+  <p:clrMapOvr>
+    <a:masterClrMapping/>
+  </p:clrMapOvr>
+</p:sld>
+</file>
+
+<file path=ppt/slides/slide13.xml><?xml version="1.0" encoding="utf-8"?>
+<p:sld xmlns:a="http://schemas.openxmlformats.org/drawingml/2006/main" xmlns:r="http://schemas.openxmlformats.org/officeDocument/2006/relationships" xmlns:p="http://schemas.openxmlformats.org/presentationml/2006/main">
+  <p:cSld>
+    <p:spTree>
+      <p:nvGrpSpPr>
+        <p:cNvPr id="1" name=""/>
+        <p:cNvGrpSpPr/>
+        <p:nvPr/>
+      </p:nvGrpSpPr>
+      <p:grpSpPr>
+        <a:xfrm>
+          <a:off x="0" y="0"/>
+          <a:ext cx="0" cy="0"/>
+          <a:chOff x="0" y="0"/>
+          <a:chExt cx="0" cy="0"/>
+        </a:xfrm>
+      </p:grpSpPr>
+      <p:sp>
+        <p:nvSpPr>
           <p:cNvPr id="6" name="TextBox 5">
             <a:extLst>
               <a:ext uri="{FF2B5EF4-FFF2-40B4-BE49-F238E27FC236}">
@@ -3569,7 +4769,7 @@
 </p:sld>
 </file>
 
-<file path=ppt/slides/slide11.xml><?xml version="1.0" encoding="utf-8"?>
+<file path=ppt/slides/slide14.xml><?xml version="1.0" encoding="utf-8"?>
 <p:sld xmlns:a="http://schemas.openxmlformats.org/drawingml/2006/main" xmlns:r="http://schemas.openxmlformats.org/officeDocument/2006/relationships" xmlns:p="http://schemas.openxmlformats.org/presentationml/2006/main" show="0">
   <p:cSld>
     <p:spTree>
@@ -3774,7 +4974,7 @@
 </p:sld>
 </file>
 
-<file path=ppt/slides/slide12.xml><?xml version="1.0" encoding="utf-8"?>
+<file path=ppt/slides/slide15.xml><?xml version="1.0" encoding="utf-8"?>
 <p:sld xmlns:a="http://schemas.openxmlformats.org/drawingml/2006/main" xmlns:r="http://schemas.openxmlformats.org/officeDocument/2006/relationships" xmlns:p="http://schemas.openxmlformats.org/presentationml/2006/main" show="0">
   <p:cSld>
     <p:spTree>
@@ -9080,7 +10280,7 @@
 </p:sld>
 </file>
 
-<file path=ppt/slides/slide13.xml><?xml version="1.0" encoding="utf-8"?>
+<file path=ppt/slides/slide16.xml><?xml version="1.0" encoding="utf-8"?>
 <p:sld xmlns:a="http://schemas.openxmlformats.org/drawingml/2006/main" xmlns:r="http://schemas.openxmlformats.org/officeDocument/2006/relationships" xmlns:p="http://schemas.openxmlformats.org/presentationml/2006/main" show="0">
   <p:cSld>
     <p:spTree>
@@ -27154,6 +28354,107 @@
       </p:grpSpPr>
       <p:sp>
         <p:nvSpPr>
+          <p:cNvPr id="4" name="TextBox 3">
+            <a:extLst>
+              <a:ext uri="{FF2B5EF4-FFF2-40B4-BE49-F238E27FC236}">
+                <a16:creationId xmlns:a16="http://schemas.microsoft.com/office/drawing/2014/main" id="{ECD70AA1-8409-42FD-B4F8-41CA4EA60A5E}"/>
+              </a:ext>
+            </a:extLst>
+          </p:cNvPr>
+          <p:cNvSpPr txBox="1"/>
+          <p:nvPr/>
+        </p:nvSpPr>
+        <p:spPr>
+          <a:xfrm>
+            <a:off x="103925" y="95878"/>
+            <a:ext cx="6268995" cy="400110"/>
+          </a:xfrm>
+          <a:prstGeom prst="rect">
+            <a:avLst/>
+          </a:prstGeom>
+          <a:noFill/>
+        </p:spPr>
+        <p:txBody>
+          <a:bodyPr wrap="square" rtlCol="0">
+            <a:spAutoFit/>
+          </a:bodyPr>
+          <a:lstStyle/>
+          <a:p>
+            <a:r>
+              <a:rPr lang="en-GB" sz="2000" b="1" dirty="0"/>
+              <a:t>Task 1: Find today’s temperature: Task model</a:t>
+            </a:r>
+          </a:p>
+        </p:txBody>
+      </p:sp>
+      <p:pic>
+        <p:nvPicPr>
+          <p:cNvPr id="5" name="Picture 4" descr="Diagram&#10;&#10;Description automatically generated">
+            <a:extLst>
+              <a:ext uri="{FF2B5EF4-FFF2-40B4-BE49-F238E27FC236}">
+                <a16:creationId xmlns:a16="http://schemas.microsoft.com/office/drawing/2014/main" id="{BF6202C6-550A-43EB-B854-E0CAF9C0AAA0}"/>
+              </a:ext>
+            </a:extLst>
+          </p:cNvPr>
+          <p:cNvPicPr>
+            <a:picLocks noChangeAspect="1"/>
+          </p:cNvPicPr>
+          <p:nvPr/>
+        </p:nvPicPr>
+        <p:blipFill>
+          <a:blip r:embed="rId2">
+            <a:extLst>
+              <a:ext uri="{28A0092B-C50C-407E-A947-70E740481C1C}">
+                <a14:useLocalDpi xmlns:a14="http://schemas.microsoft.com/office/drawing/2010/main" val="0"/>
+              </a:ext>
+            </a:extLst>
+          </a:blip>
+          <a:stretch>
+            <a:fillRect/>
+          </a:stretch>
+        </p:blipFill>
+        <p:spPr>
+          <a:xfrm>
+            <a:off x="4376737" y="2847975"/>
+            <a:ext cx="3438525" cy="1162050"/>
+          </a:xfrm>
+          <a:prstGeom prst="rect">
+            <a:avLst/>
+          </a:prstGeom>
+        </p:spPr>
+      </p:pic>
+    </p:spTree>
+    <p:extLst>
+      <p:ext uri="{BB962C8B-B14F-4D97-AF65-F5344CB8AC3E}">
+        <p14:creationId xmlns:p14="http://schemas.microsoft.com/office/powerpoint/2010/main" val="17174165"/>
+      </p:ext>
+    </p:extLst>
+  </p:cSld>
+  <p:clrMapOvr>
+    <a:masterClrMapping/>
+  </p:clrMapOvr>
+</p:sld>
+</file>
+
+<file path=ppt/slides/slide8.xml><?xml version="1.0" encoding="utf-8"?>
+<p:sld xmlns:a="http://schemas.openxmlformats.org/drawingml/2006/main" xmlns:r="http://schemas.openxmlformats.org/officeDocument/2006/relationships" xmlns:p="http://schemas.openxmlformats.org/presentationml/2006/main">
+  <p:cSld>
+    <p:spTree>
+      <p:nvGrpSpPr>
+        <p:cNvPr id="1" name=""/>
+        <p:cNvGrpSpPr/>
+        <p:nvPr/>
+      </p:nvGrpSpPr>
+      <p:grpSpPr>
+        <a:xfrm>
+          <a:off x="0" y="0"/>
+          <a:ext cx="0" cy="0"/>
+          <a:chOff x="0" y="0"/>
+          <a:chExt cx="0" cy="0"/>
+        </a:xfrm>
+      </p:grpSpPr>
+      <p:sp>
+        <p:nvSpPr>
           <p:cNvPr id="104" name="TextBox 103">
             <a:extLst>
               <a:ext uri="{FF2B5EF4-FFF2-40B4-BE49-F238E27FC236}">
@@ -27757,7 +29058,7 @@
 </p:sld>
 </file>
 
-<file path=ppt/slides/slide8.xml><?xml version="1.0" encoding="utf-8"?>
+<file path=ppt/slides/slide9.xml><?xml version="1.0" encoding="utf-8"?>
 <p:sld xmlns:a="http://schemas.openxmlformats.org/drawingml/2006/main" xmlns:r="http://schemas.openxmlformats.org/officeDocument/2006/relationships" xmlns:p="http://schemas.openxmlformats.org/presentationml/2006/main">
   <p:cSld>
     <p:spTree>
@@ -27776,10 +29077,10 @@
       </p:grpSpPr>
       <p:sp>
         <p:nvSpPr>
-          <p:cNvPr id="104" name="TextBox 103">
+          <p:cNvPr id="3" name="TextBox 2">
             <a:extLst>
               <a:ext uri="{FF2B5EF4-FFF2-40B4-BE49-F238E27FC236}">
-                <a16:creationId xmlns:a16="http://schemas.microsoft.com/office/drawing/2014/main" id="{4508642E-2AB4-4CF5-993C-2E12F24B9309}"/>
+                <a16:creationId xmlns:a16="http://schemas.microsoft.com/office/drawing/2014/main" id="{80318089-6349-43DD-B617-BCB6E4F998BF}"/>
               </a:ext>
             </a:extLst>
           </p:cNvPr>
@@ -27804,17 +29105,17 @@
           <a:p>
             <a:r>
               <a:rPr lang="en-GB" sz="2000" b="1" dirty="0"/>
-              <a:t>Task 3: Track a fire in city X</a:t>
+              <a:t>Task 2: Find today’s air quality: Task model</a:t>
             </a:r>
           </a:p>
         </p:txBody>
       </p:sp>
       <p:pic>
         <p:nvPicPr>
-          <p:cNvPr id="94" name="Picture 93">
+          <p:cNvPr id="5" name="Picture 4">
             <a:extLst>
               <a:ext uri="{FF2B5EF4-FFF2-40B4-BE49-F238E27FC236}">
-                <a16:creationId xmlns:a16="http://schemas.microsoft.com/office/drawing/2014/main" id="{776AB855-C2A4-46F7-B0B8-BE8F66323A4C}"/>
+                <a16:creationId xmlns:a16="http://schemas.microsoft.com/office/drawing/2014/main" id="{A628A2E9-1BC6-4B3F-A2A2-D1BA2A2FC97B}"/>
               </a:ext>
             </a:extLst>
           </p:cNvPr>
@@ -27823,1027 +29124,32 @@
           </p:cNvPicPr>
           <p:nvPr/>
         </p:nvPicPr>
-        <p:blipFill rotWithShape="1">
-          <a:blip r:embed="rId2"/>
-          <a:srcRect l="1326" t="1670" r="61397" b="1946"/>
-          <a:stretch/>
+        <p:blipFill>
+          <a:blip r:embed="rId2">
+            <a:extLst>
+              <a:ext uri="{28A0092B-C50C-407E-A947-70E740481C1C}">
+                <a14:useLocalDpi xmlns:a14="http://schemas.microsoft.com/office/drawing/2010/main" val="0"/>
+              </a:ext>
+            </a:extLst>
+          </a:blip>
+          <a:stretch>
+            <a:fillRect/>
+          </a:stretch>
         </p:blipFill>
         <p:spPr>
           <a:xfrm>
-            <a:off x="515263" y="735017"/>
-            <a:ext cx="1816640" cy="3626529"/>
+            <a:off x="3233737" y="2847975"/>
+            <a:ext cx="5724525" cy="1162050"/>
           </a:xfrm>
           <a:prstGeom prst="rect">
             <a:avLst/>
           </a:prstGeom>
         </p:spPr>
       </p:pic>
-      <p:pic>
-        <p:nvPicPr>
-          <p:cNvPr id="95" name="Picture 94">
-            <a:extLst>
-              <a:ext uri="{FF2B5EF4-FFF2-40B4-BE49-F238E27FC236}">
-                <a16:creationId xmlns:a16="http://schemas.microsoft.com/office/drawing/2014/main" id="{9DE4DDD8-8F1E-401B-B362-1AC6CDF7F1FB}"/>
-              </a:ext>
-            </a:extLst>
-          </p:cNvPr>
-          <p:cNvPicPr>
-            <a:picLocks noChangeAspect="1"/>
-          </p:cNvPicPr>
-          <p:nvPr/>
-        </p:nvPicPr>
-        <p:blipFill rotWithShape="1">
-          <a:blip r:embed="rId2"/>
-          <a:srcRect l="60312" t="1670" r="2412" b="1946"/>
-          <a:stretch/>
-        </p:blipFill>
-        <p:spPr>
-          <a:xfrm>
-            <a:off x="2911910" y="735016"/>
-            <a:ext cx="1816640" cy="3626528"/>
-          </a:xfrm>
-          <a:prstGeom prst="rect">
-            <a:avLst/>
-          </a:prstGeom>
-        </p:spPr>
-      </p:pic>
-      <p:sp>
-        <p:nvSpPr>
-          <p:cNvPr id="41" name="TextBox 40">
-            <a:extLst>
-              <a:ext uri="{FF2B5EF4-FFF2-40B4-BE49-F238E27FC236}">
-                <a16:creationId xmlns:a16="http://schemas.microsoft.com/office/drawing/2014/main" id="{BF0E18EE-3275-49F4-B047-2196EF5EA988}"/>
-              </a:ext>
-            </a:extLst>
-          </p:cNvPr>
-          <p:cNvSpPr txBox="1"/>
-          <p:nvPr/>
-        </p:nvSpPr>
-        <p:spPr>
-          <a:xfrm>
-            <a:off x="360229" y="4600575"/>
-            <a:ext cx="1971674" cy="1754326"/>
-          </a:xfrm>
-          <a:prstGeom prst="rect">
-            <a:avLst/>
-          </a:prstGeom>
-          <a:noFill/>
-        </p:spPr>
-        <p:txBody>
-          <a:bodyPr wrap="square" rtlCol="0">
-            <a:spAutoFit/>
-          </a:bodyPr>
-          <a:lstStyle/>
-          <a:p>
-            <a:r>
-              <a:rPr lang="en-GB" sz="1200" dirty="0"/>
-              <a:t>1. The app will launch either the “Weather” or the “Track Fire” page depending on the user’s settings. If it launches on the “Weather” page, then the user taps the “Track Fire” button to switch to the “Track Fire” page. Otherwise, skip to step 2.</a:t>
-            </a:r>
-          </a:p>
-        </p:txBody>
-      </p:sp>
-      <p:pic>
-        <p:nvPicPr>
-          <p:cNvPr id="3" name="Picture 2">
-            <a:extLst>
-              <a:ext uri="{FF2B5EF4-FFF2-40B4-BE49-F238E27FC236}">
-                <a16:creationId xmlns:a16="http://schemas.microsoft.com/office/drawing/2014/main" id="{CD955820-6CCC-45CD-A176-8562645DACE8}"/>
-              </a:ext>
-            </a:extLst>
-          </p:cNvPr>
-          <p:cNvPicPr>
-            <a:picLocks noChangeAspect="1"/>
-          </p:cNvPicPr>
-          <p:nvPr/>
-        </p:nvPicPr>
-        <p:blipFill rotWithShape="1">
-          <a:blip r:embed="rId3"/>
-          <a:srcRect l="1152" t="2182" r="75621" b="2356"/>
-          <a:stretch/>
-        </p:blipFill>
-        <p:spPr>
-          <a:xfrm>
-            <a:off x="5410505" y="735015"/>
-            <a:ext cx="1803265" cy="3626529"/>
-          </a:xfrm>
-          <a:prstGeom prst="rect">
-            <a:avLst/>
-          </a:prstGeom>
-        </p:spPr>
-      </p:pic>
-      <p:pic>
-        <p:nvPicPr>
-          <p:cNvPr id="12" name="Picture 11">
-            <a:extLst>
-              <a:ext uri="{FF2B5EF4-FFF2-40B4-BE49-F238E27FC236}">
-                <a16:creationId xmlns:a16="http://schemas.microsoft.com/office/drawing/2014/main" id="{A4926453-8CC5-49A9-9BE1-549DFA2C1D2A}"/>
-              </a:ext>
-            </a:extLst>
-          </p:cNvPr>
-          <p:cNvPicPr>
-            <a:picLocks noChangeAspect="1"/>
-          </p:cNvPicPr>
-          <p:nvPr/>
-        </p:nvPicPr>
-        <p:blipFill rotWithShape="1">
-          <a:blip r:embed="rId3"/>
-          <a:srcRect l="25567" t="2182" r="51206" b="2356"/>
-          <a:stretch/>
-        </p:blipFill>
-        <p:spPr>
-          <a:xfrm>
-            <a:off x="7807152" y="735015"/>
-            <a:ext cx="1803265" cy="3626529"/>
-          </a:xfrm>
-          <a:prstGeom prst="rect">
-            <a:avLst/>
-          </a:prstGeom>
-        </p:spPr>
-      </p:pic>
-      <p:sp>
-        <p:nvSpPr>
-          <p:cNvPr id="18" name="TextBox 17">
-            <a:extLst>
-              <a:ext uri="{FF2B5EF4-FFF2-40B4-BE49-F238E27FC236}">
-                <a16:creationId xmlns:a16="http://schemas.microsoft.com/office/drawing/2014/main" id="{EDCBA096-563C-4F08-8526-57C8888C28E3}"/>
-              </a:ext>
-            </a:extLst>
-          </p:cNvPr>
-          <p:cNvSpPr txBox="1"/>
-          <p:nvPr/>
-        </p:nvSpPr>
-        <p:spPr>
-          <a:xfrm>
-            <a:off x="2756876" y="4600575"/>
-            <a:ext cx="1971674" cy="1200329"/>
-          </a:xfrm>
-          <a:prstGeom prst="rect">
-            <a:avLst/>
-          </a:prstGeom>
-          <a:noFill/>
-        </p:spPr>
-        <p:txBody>
-          <a:bodyPr wrap="square" rtlCol="0">
-            <a:spAutoFit/>
-          </a:bodyPr>
-          <a:lstStyle/>
-          <a:p>
-            <a:r>
-              <a:rPr lang="en-GB" sz="1200" dirty="0"/>
-              <a:t>2. The currently selected location will be shown in the highlighted box. If this is City X, then skip to step 9. If not, the user taps the box to open a dropdown menu.</a:t>
-            </a:r>
-          </a:p>
-        </p:txBody>
-      </p:sp>
-      <p:sp>
-        <p:nvSpPr>
-          <p:cNvPr id="19" name="TextBox 18">
-            <a:extLst>
-              <a:ext uri="{FF2B5EF4-FFF2-40B4-BE49-F238E27FC236}">
-                <a16:creationId xmlns:a16="http://schemas.microsoft.com/office/drawing/2014/main" id="{B17F1C49-C0D6-4548-96F8-76ECF75CCD85}"/>
-              </a:ext>
-            </a:extLst>
-          </p:cNvPr>
-          <p:cNvSpPr txBox="1"/>
-          <p:nvPr/>
-        </p:nvSpPr>
-        <p:spPr>
-          <a:xfrm>
-            <a:off x="5242096" y="4600575"/>
-            <a:ext cx="1971674" cy="1015663"/>
-          </a:xfrm>
-          <a:prstGeom prst="rect">
-            <a:avLst/>
-          </a:prstGeom>
-          <a:noFill/>
-        </p:spPr>
-        <p:txBody>
-          <a:bodyPr wrap="square" rtlCol="0">
-            <a:spAutoFit/>
-          </a:bodyPr>
-          <a:lstStyle/>
-          <a:p>
-            <a:r>
-              <a:rPr lang="en-GB" sz="1200" dirty="0"/>
-              <a:t>3. A list of available cities will appear. If City X is one of them, skip to step 8. If not, the user taps “Edit Locations”.</a:t>
-            </a:r>
-          </a:p>
-        </p:txBody>
-      </p:sp>
-      <p:sp>
-        <p:nvSpPr>
-          <p:cNvPr id="20" name="TextBox 19">
-            <a:extLst>
-              <a:ext uri="{FF2B5EF4-FFF2-40B4-BE49-F238E27FC236}">
-                <a16:creationId xmlns:a16="http://schemas.microsoft.com/office/drawing/2014/main" id="{5E283988-5586-4C04-9837-63373334CFE1}"/>
-              </a:ext>
-            </a:extLst>
-          </p:cNvPr>
-          <p:cNvSpPr txBox="1"/>
-          <p:nvPr/>
-        </p:nvSpPr>
-        <p:spPr>
-          <a:xfrm>
-            <a:off x="7604377" y="4508241"/>
-            <a:ext cx="1971674" cy="646331"/>
-          </a:xfrm>
-          <a:prstGeom prst="rect">
-            <a:avLst/>
-          </a:prstGeom>
-          <a:noFill/>
-        </p:spPr>
-        <p:txBody>
-          <a:bodyPr wrap="square" rtlCol="0">
-            <a:spAutoFit/>
-          </a:bodyPr>
-          <a:lstStyle/>
-          <a:p>
-            <a:r>
-              <a:rPr lang="en-GB" sz="1200" dirty="0"/>
-              <a:t>4. The user taps “New Location” to move to a location search page.</a:t>
-            </a:r>
-          </a:p>
-        </p:txBody>
-      </p:sp>
-      <p:pic>
-        <p:nvPicPr>
-          <p:cNvPr id="21" name="Picture 20">
-            <a:extLst>
-              <a:ext uri="{FF2B5EF4-FFF2-40B4-BE49-F238E27FC236}">
-                <a16:creationId xmlns:a16="http://schemas.microsoft.com/office/drawing/2014/main" id="{0E34D5CE-A5C7-4B05-9283-FD97877F0525}"/>
-              </a:ext>
-            </a:extLst>
-          </p:cNvPr>
-          <p:cNvPicPr>
-            <a:picLocks noChangeAspect="1"/>
-          </p:cNvPicPr>
-          <p:nvPr/>
-        </p:nvPicPr>
-        <p:blipFill rotWithShape="1">
-          <a:blip r:embed="rId3"/>
-          <a:srcRect l="51025" t="2182" r="25747" b="2356"/>
-          <a:stretch/>
-        </p:blipFill>
-        <p:spPr>
-          <a:xfrm>
-            <a:off x="10082213" y="735015"/>
-            <a:ext cx="1803265" cy="3626529"/>
-          </a:xfrm>
-          <a:prstGeom prst="rect">
-            <a:avLst/>
-          </a:prstGeom>
-        </p:spPr>
-      </p:pic>
-      <p:sp>
-        <p:nvSpPr>
-          <p:cNvPr id="22" name="TextBox 21">
-            <a:extLst>
-              <a:ext uri="{FF2B5EF4-FFF2-40B4-BE49-F238E27FC236}">
-                <a16:creationId xmlns:a16="http://schemas.microsoft.com/office/drawing/2014/main" id="{4EC8A9B1-F50E-4042-88F1-344F47A3ED82}"/>
-              </a:ext>
-            </a:extLst>
-          </p:cNvPr>
-          <p:cNvSpPr txBox="1"/>
-          <p:nvPr/>
-        </p:nvSpPr>
-        <p:spPr>
-          <a:xfrm>
-            <a:off x="9966658" y="4508241"/>
-            <a:ext cx="1971674" cy="276999"/>
-          </a:xfrm>
-          <a:prstGeom prst="rect">
-            <a:avLst/>
-          </a:prstGeom>
-          <a:noFill/>
-        </p:spPr>
-        <p:txBody>
-          <a:bodyPr wrap="square" rtlCol="0">
-            <a:spAutoFit/>
-          </a:bodyPr>
-          <a:lstStyle/>
-          <a:p>
-            <a:r>
-              <a:rPr lang="en-GB" sz="1200" dirty="0"/>
-              <a:t>Step 5 is on the next slide.</a:t>
-            </a:r>
-          </a:p>
-        </p:txBody>
-      </p:sp>
-      <p:cxnSp>
-        <p:nvCxnSpPr>
-          <p:cNvPr id="5" name="Straight Arrow Connector 4">
-            <a:extLst>
-              <a:ext uri="{FF2B5EF4-FFF2-40B4-BE49-F238E27FC236}">
-                <a16:creationId xmlns:a16="http://schemas.microsoft.com/office/drawing/2014/main" id="{C6AF6CB2-DA60-499F-A54D-4AFCFDB45161}"/>
-              </a:ext>
-            </a:extLst>
-          </p:cNvPr>
-          <p:cNvCxnSpPr/>
-          <p:nvPr/>
-        </p:nvCxnSpPr>
-        <p:spPr>
-          <a:xfrm flipV="1">
-            <a:off x="2028825" y="2419350"/>
-            <a:ext cx="800100" cy="1362075"/>
-          </a:xfrm>
-          <a:prstGeom prst="straightConnector1">
-            <a:avLst/>
-          </a:prstGeom>
-          <a:ln w="38100">
-            <a:tailEnd type="triangle"/>
-          </a:ln>
-        </p:spPr>
-        <p:style>
-          <a:lnRef idx="1">
-            <a:schemeClr val="accent1"/>
-          </a:lnRef>
-          <a:fillRef idx="0">
-            <a:schemeClr val="accent1"/>
-          </a:fillRef>
-          <a:effectRef idx="0">
-            <a:schemeClr val="accent1"/>
-          </a:effectRef>
-          <a:fontRef idx="minor">
-            <a:schemeClr val="tx1"/>
-          </a:fontRef>
-        </p:style>
-      </p:cxnSp>
-      <p:cxnSp>
-        <p:nvCxnSpPr>
-          <p:cNvPr id="25" name="Straight Arrow Connector 24">
-            <a:extLst>
-              <a:ext uri="{FF2B5EF4-FFF2-40B4-BE49-F238E27FC236}">
-                <a16:creationId xmlns:a16="http://schemas.microsoft.com/office/drawing/2014/main" id="{93EBF2F4-B878-4E3C-98AE-29FF133084B2}"/>
-              </a:ext>
-            </a:extLst>
-          </p:cNvPr>
-          <p:cNvCxnSpPr>
-            <a:cxnSpLocks/>
-          </p:cNvCxnSpPr>
-          <p:nvPr/>
-        </p:nvCxnSpPr>
-        <p:spPr>
-          <a:xfrm>
-            <a:off x="4486275" y="1241762"/>
-            <a:ext cx="857250" cy="996613"/>
-          </a:xfrm>
-          <a:prstGeom prst="straightConnector1">
-            <a:avLst/>
-          </a:prstGeom>
-          <a:ln w="38100">
-            <a:tailEnd type="triangle"/>
-          </a:ln>
-        </p:spPr>
-        <p:style>
-          <a:lnRef idx="1">
-            <a:schemeClr val="accent1"/>
-          </a:lnRef>
-          <a:fillRef idx="0">
-            <a:schemeClr val="accent1"/>
-          </a:fillRef>
-          <a:effectRef idx="0">
-            <a:schemeClr val="accent1"/>
-          </a:effectRef>
-          <a:fontRef idx="minor">
-            <a:schemeClr val="tx1"/>
-          </a:fontRef>
-        </p:style>
-      </p:cxnSp>
-      <p:cxnSp>
-        <p:nvCxnSpPr>
-          <p:cNvPr id="29" name="Straight Arrow Connector 28">
-            <a:extLst>
-              <a:ext uri="{FF2B5EF4-FFF2-40B4-BE49-F238E27FC236}">
-                <a16:creationId xmlns:a16="http://schemas.microsoft.com/office/drawing/2014/main" id="{3844FEA3-D42A-481B-9C9D-43D877AEAB47}"/>
-              </a:ext>
-            </a:extLst>
-          </p:cNvPr>
-          <p:cNvCxnSpPr>
-            <a:cxnSpLocks/>
-          </p:cNvCxnSpPr>
-          <p:nvPr/>
-        </p:nvCxnSpPr>
-        <p:spPr>
-          <a:xfrm flipV="1">
-            <a:off x="6848477" y="2257425"/>
-            <a:ext cx="958675" cy="161925"/>
-          </a:xfrm>
-          <a:prstGeom prst="straightConnector1">
-            <a:avLst/>
-          </a:prstGeom>
-          <a:ln w="38100">
-            <a:tailEnd type="triangle"/>
-          </a:ln>
-        </p:spPr>
-        <p:style>
-          <a:lnRef idx="1">
-            <a:schemeClr val="accent1"/>
-          </a:lnRef>
-          <a:fillRef idx="0">
-            <a:schemeClr val="accent1"/>
-          </a:fillRef>
-          <a:effectRef idx="0">
-            <a:schemeClr val="accent1"/>
-          </a:effectRef>
-          <a:fontRef idx="minor">
-            <a:schemeClr val="tx1"/>
-          </a:fontRef>
-        </p:style>
-      </p:cxnSp>
-      <p:cxnSp>
-        <p:nvCxnSpPr>
-          <p:cNvPr id="32" name="Straight Arrow Connector 31">
-            <a:extLst>
-              <a:ext uri="{FF2B5EF4-FFF2-40B4-BE49-F238E27FC236}">
-                <a16:creationId xmlns:a16="http://schemas.microsoft.com/office/drawing/2014/main" id="{CC27FCE4-B095-489C-81E8-A0946AF14326}"/>
-              </a:ext>
-            </a:extLst>
-          </p:cNvPr>
-          <p:cNvCxnSpPr>
-            <a:cxnSpLocks/>
-          </p:cNvCxnSpPr>
-          <p:nvPr/>
-        </p:nvCxnSpPr>
-        <p:spPr>
-          <a:xfrm flipV="1">
-            <a:off x="9280090" y="2257425"/>
-            <a:ext cx="686568" cy="152400"/>
-          </a:xfrm>
-          <a:prstGeom prst="straightConnector1">
-            <a:avLst/>
-          </a:prstGeom>
-          <a:ln w="38100">
-            <a:tailEnd type="triangle"/>
-          </a:ln>
-        </p:spPr>
-        <p:style>
-          <a:lnRef idx="1">
-            <a:schemeClr val="accent1"/>
-          </a:lnRef>
-          <a:fillRef idx="0">
-            <a:schemeClr val="accent1"/>
-          </a:fillRef>
-          <a:effectRef idx="0">
-            <a:schemeClr val="accent1"/>
-          </a:effectRef>
-          <a:fontRef idx="minor">
-            <a:schemeClr val="tx1"/>
-          </a:fontRef>
-        </p:style>
-      </p:cxnSp>
     </p:spTree>
     <p:extLst>
       <p:ext uri="{BB962C8B-B14F-4D97-AF65-F5344CB8AC3E}">
-        <p14:creationId xmlns:p14="http://schemas.microsoft.com/office/powerpoint/2010/main" val="1495422416"/>
-      </p:ext>
-    </p:extLst>
-  </p:cSld>
-  <p:clrMapOvr>
-    <a:masterClrMapping/>
-  </p:clrMapOvr>
-</p:sld>
-</file>
-
-<file path=ppt/slides/slide9.xml><?xml version="1.0" encoding="utf-8"?>
-<p:sld xmlns:a="http://schemas.openxmlformats.org/drawingml/2006/main" xmlns:r="http://schemas.openxmlformats.org/officeDocument/2006/relationships" xmlns:p="http://schemas.openxmlformats.org/presentationml/2006/main">
-  <p:cSld>
-    <p:spTree>
-      <p:nvGrpSpPr>
-        <p:cNvPr id="1" name=""/>
-        <p:cNvGrpSpPr/>
-        <p:nvPr/>
-      </p:nvGrpSpPr>
-      <p:grpSpPr>
-        <a:xfrm>
-          <a:off x="0" y="0"/>
-          <a:ext cx="0" cy="0"/>
-          <a:chOff x="0" y="0"/>
-          <a:chExt cx="0" cy="0"/>
-        </a:xfrm>
-      </p:grpSpPr>
-      <p:sp>
-        <p:nvSpPr>
-          <p:cNvPr id="104" name="TextBox 103">
-            <a:extLst>
-              <a:ext uri="{FF2B5EF4-FFF2-40B4-BE49-F238E27FC236}">
-                <a16:creationId xmlns:a16="http://schemas.microsoft.com/office/drawing/2014/main" id="{4508642E-2AB4-4CF5-993C-2E12F24B9309}"/>
-              </a:ext>
-            </a:extLst>
-          </p:cNvPr>
-          <p:cNvSpPr txBox="1"/>
-          <p:nvPr/>
-        </p:nvSpPr>
-        <p:spPr>
-          <a:xfrm>
-            <a:off x="103925" y="95878"/>
-            <a:ext cx="6268995" cy="400110"/>
-          </a:xfrm>
-          <a:prstGeom prst="rect">
-            <a:avLst/>
-          </a:prstGeom>
-          <a:noFill/>
-        </p:spPr>
-        <p:txBody>
-          <a:bodyPr wrap="square" rtlCol="0">
-            <a:spAutoFit/>
-          </a:bodyPr>
-          <a:lstStyle/>
-          <a:p>
-            <a:r>
-              <a:rPr lang="en-GB" sz="2000" b="1" dirty="0"/>
-              <a:t>Task 3: Track a fire in city X continued</a:t>
-            </a:r>
-          </a:p>
-        </p:txBody>
-      </p:sp>
-      <p:sp>
-        <p:nvSpPr>
-          <p:cNvPr id="41" name="TextBox 40">
-            <a:extLst>
-              <a:ext uri="{FF2B5EF4-FFF2-40B4-BE49-F238E27FC236}">
-                <a16:creationId xmlns:a16="http://schemas.microsoft.com/office/drawing/2014/main" id="{BF0E18EE-3275-49F4-B047-2196EF5EA988}"/>
-              </a:ext>
-            </a:extLst>
-          </p:cNvPr>
-          <p:cNvSpPr txBox="1"/>
-          <p:nvPr/>
-        </p:nvSpPr>
-        <p:spPr>
-          <a:xfrm>
-            <a:off x="360229" y="4600575"/>
-            <a:ext cx="1971674" cy="1569660"/>
-          </a:xfrm>
-          <a:prstGeom prst="rect">
-            <a:avLst/>
-          </a:prstGeom>
-          <a:noFill/>
-        </p:spPr>
-        <p:txBody>
-          <a:bodyPr wrap="square" rtlCol="0">
-            <a:spAutoFit/>
-          </a:bodyPr>
-          <a:lstStyle/>
-          <a:p>
-            <a:r>
-              <a:rPr lang="en-GB" sz="1200" dirty="0"/>
-              <a:t>5. The user taps on the placeholder text “Location” in the search box. This brings up a keyboard with which they will type “City X”. As they type, better-matching results will populate the list below.</a:t>
-            </a:r>
-          </a:p>
-        </p:txBody>
-      </p:sp>
-      <p:pic>
-        <p:nvPicPr>
-          <p:cNvPr id="13" name="Picture 12">
-            <a:extLst>
-              <a:ext uri="{FF2B5EF4-FFF2-40B4-BE49-F238E27FC236}">
-                <a16:creationId xmlns:a16="http://schemas.microsoft.com/office/drawing/2014/main" id="{CA1A3978-4C3B-4203-B7C6-82152759C689}"/>
-              </a:ext>
-            </a:extLst>
-          </p:cNvPr>
-          <p:cNvPicPr>
-            <a:picLocks noChangeAspect="1"/>
-          </p:cNvPicPr>
-          <p:nvPr/>
-        </p:nvPicPr>
-        <p:blipFill rotWithShape="1">
-          <a:blip r:embed="rId2"/>
-          <a:srcRect l="51025" t="2182" r="25747" b="2356"/>
-          <a:stretch/>
-        </p:blipFill>
-        <p:spPr>
-          <a:xfrm>
-            <a:off x="528638" y="867678"/>
-            <a:ext cx="1803265" cy="3626529"/>
-          </a:xfrm>
-          <a:prstGeom prst="rect">
-            <a:avLst/>
-          </a:prstGeom>
-        </p:spPr>
-      </p:pic>
-      <p:pic>
-        <p:nvPicPr>
-          <p:cNvPr id="14" name="Picture 13">
-            <a:extLst>
-              <a:ext uri="{FF2B5EF4-FFF2-40B4-BE49-F238E27FC236}">
-                <a16:creationId xmlns:a16="http://schemas.microsoft.com/office/drawing/2014/main" id="{A2835A48-6112-4618-B4BB-29346F48D53B}"/>
-              </a:ext>
-            </a:extLst>
-          </p:cNvPr>
-          <p:cNvPicPr>
-            <a:picLocks noChangeAspect="1"/>
-          </p:cNvPicPr>
-          <p:nvPr/>
-        </p:nvPicPr>
-        <p:blipFill rotWithShape="1">
-          <a:blip r:embed="rId2"/>
-          <a:srcRect l="75364" t="2182" r="1409" b="2356"/>
-          <a:stretch/>
-        </p:blipFill>
-        <p:spPr>
-          <a:xfrm>
-            <a:off x="2848052" y="867677"/>
-            <a:ext cx="1803265" cy="3626529"/>
-          </a:xfrm>
-          <a:prstGeom prst="rect">
-            <a:avLst/>
-          </a:prstGeom>
-        </p:spPr>
-      </p:pic>
-      <p:pic>
-        <p:nvPicPr>
-          <p:cNvPr id="4" name="Picture 3">
-            <a:extLst>
-              <a:ext uri="{FF2B5EF4-FFF2-40B4-BE49-F238E27FC236}">
-                <a16:creationId xmlns:a16="http://schemas.microsoft.com/office/drawing/2014/main" id="{B06D69DA-A665-432C-B7A3-D590660CFF65}"/>
-              </a:ext>
-            </a:extLst>
-          </p:cNvPr>
-          <p:cNvPicPr>
-            <a:picLocks noChangeAspect="1"/>
-          </p:cNvPicPr>
-          <p:nvPr/>
-        </p:nvPicPr>
-        <p:blipFill rotWithShape="1">
-          <a:blip r:embed="rId3"/>
-          <a:srcRect l="1757" t="3234" r="66510" b="2000"/>
-          <a:stretch/>
-        </p:blipFill>
-        <p:spPr>
-          <a:xfrm>
-            <a:off x="5167466" y="868347"/>
-            <a:ext cx="1803264" cy="3625859"/>
-          </a:xfrm>
-          <a:prstGeom prst="rect">
-            <a:avLst/>
-          </a:prstGeom>
-        </p:spPr>
-      </p:pic>
-      <p:pic>
-        <p:nvPicPr>
-          <p:cNvPr id="15" name="Picture 14">
-            <a:extLst>
-              <a:ext uri="{FF2B5EF4-FFF2-40B4-BE49-F238E27FC236}">
-                <a16:creationId xmlns:a16="http://schemas.microsoft.com/office/drawing/2014/main" id="{935DC1AE-5C89-4456-9825-9378096ADB30}"/>
-              </a:ext>
-            </a:extLst>
-          </p:cNvPr>
-          <p:cNvPicPr>
-            <a:picLocks noChangeAspect="1"/>
-          </p:cNvPicPr>
-          <p:nvPr/>
-        </p:nvPicPr>
-        <p:blipFill rotWithShape="1">
-          <a:blip r:embed="rId3"/>
-          <a:srcRect l="34544" t="3234" r="33724" b="2000"/>
-          <a:stretch/>
-        </p:blipFill>
-        <p:spPr>
-          <a:xfrm>
-            <a:off x="7486879" y="867676"/>
-            <a:ext cx="1803264" cy="3625859"/>
-          </a:xfrm>
-          <a:prstGeom prst="rect">
-            <a:avLst/>
-          </a:prstGeom>
-        </p:spPr>
-      </p:pic>
-      <p:pic>
-        <p:nvPicPr>
-          <p:cNvPr id="16" name="Picture 15">
-            <a:extLst>
-              <a:ext uri="{FF2B5EF4-FFF2-40B4-BE49-F238E27FC236}">
-                <a16:creationId xmlns:a16="http://schemas.microsoft.com/office/drawing/2014/main" id="{85FE42E8-FF74-447A-84A6-C88E1B352079}"/>
-              </a:ext>
-            </a:extLst>
-          </p:cNvPr>
-          <p:cNvPicPr>
-            <a:picLocks noChangeAspect="1"/>
-          </p:cNvPicPr>
-          <p:nvPr/>
-        </p:nvPicPr>
-        <p:blipFill rotWithShape="1">
-          <a:blip r:embed="rId3"/>
-          <a:srcRect l="68267" t="3234" b="2000"/>
-          <a:stretch/>
-        </p:blipFill>
-        <p:spPr>
-          <a:xfrm>
-            <a:off x="9860098" y="867676"/>
-            <a:ext cx="1803264" cy="3625859"/>
-          </a:xfrm>
-          <a:prstGeom prst="rect">
-            <a:avLst/>
-          </a:prstGeom>
-        </p:spPr>
-      </p:pic>
-      <p:sp>
-        <p:nvSpPr>
-          <p:cNvPr id="17" name="TextBox 16">
-            <a:extLst>
-              <a:ext uri="{FF2B5EF4-FFF2-40B4-BE49-F238E27FC236}">
-                <a16:creationId xmlns:a16="http://schemas.microsoft.com/office/drawing/2014/main" id="{745D6A78-B9E4-493B-8EE1-09EA9B0DDFB2}"/>
-              </a:ext>
-            </a:extLst>
-          </p:cNvPr>
-          <p:cNvSpPr txBox="1"/>
-          <p:nvPr/>
-        </p:nvSpPr>
-        <p:spPr>
-          <a:xfrm>
-            <a:off x="2679643" y="4600574"/>
-            <a:ext cx="1971674" cy="1200329"/>
-          </a:xfrm>
-          <a:prstGeom prst="rect">
-            <a:avLst/>
-          </a:prstGeom>
-          <a:noFill/>
-        </p:spPr>
-        <p:txBody>
-          <a:bodyPr wrap="square" rtlCol="0">
-            <a:spAutoFit/>
-          </a:bodyPr>
-          <a:lstStyle/>
-          <a:p>
-            <a:r>
-              <a:rPr lang="en-GB" sz="1200" dirty="0"/>
-              <a:t>6. The user taps on the name of the closest match to City X in the results list below the search bar. This brings them back to the dropdown list.</a:t>
-            </a:r>
-          </a:p>
-        </p:txBody>
-      </p:sp>
-      <p:sp>
-        <p:nvSpPr>
-          <p:cNvPr id="18" name="TextBox 17">
-            <a:extLst>
-              <a:ext uri="{FF2B5EF4-FFF2-40B4-BE49-F238E27FC236}">
-                <a16:creationId xmlns:a16="http://schemas.microsoft.com/office/drawing/2014/main" id="{4D73FE51-5B43-4DDD-9E91-6708A7E27381}"/>
-              </a:ext>
-            </a:extLst>
-          </p:cNvPr>
-          <p:cNvSpPr txBox="1"/>
-          <p:nvPr/>
-        </p:nvSpPr>
-        <p:spPr>
-          <a:xfrm>
-            <a:off x="4999057" y="4600574"/>
-            <a:ext cx="1971674" cy="461665"/>
-          </a:xfrm>
-          <a:prstGeom prst="rect">
-            <a:avLst/>
-          </a:prstGeom>
-          <a:noFill/>
-        </p:spPr>
-        <p:txBody>
-          <a:bodyPr wrap="square" rtlCol="0">
-            <a:spAutoFit/>
-          </a:bodyPr>
-          <a:lstStyle/>
-          <a:p>
-            <a:r>
-              <a:rPr lang="en-GB" sz="1200" dirty="0"/>
-              <a:t>7. The user taps “Done Editing”.</a:t>
-            </a:r>
-          </a:p>
-        </p:txBody>
-      </p:sp>
-      <p:sp>
-        <p:nvSpPr>
-          <p:cNvPr id="19" name="TextBox 18">
-            <a:extLst>
-              <a:ext uri="{FF2B5EF4-FFF2-40B4-BE49-F238E27FC236}">
-                <a16:creationId xmlns:a16="http://schemas.microsoft.com/office/drawing/2014/main" id="{A9A7779B-F7DB-40CD-8821-D13D4BBA56D3}"/>
-              </a:ext>
-            </a:extLst>
-          </p:cNvPr>
-          <p:cNvSpPr txBox="1"/>
-          <p:nvPr/>
-        </p:nvSpPr>
-        <p:spPr>
-          <a:xfrm>
-            <a:off x="7318469" y="4600574"/>
-            <a:ext cx="1971674" cy="646331"/>
-          </a:xfrm>
-          <a:prstGeom prst="rect">
-            <a:avLst/>
-          </a:prstGeom>
-          <a:noFill/>
-        </p:spPr>
-        <p:txBody>
-          <a:bodyPr wrap="square" rtlCol="0">
-            <a:spAutoFit/>
-          </a:bodyPr>
-          <a:lstStyle/>
-          <a:p>
-            <a:r>
-              <a:rPr lang="en-GB" sz="1200" dirty="0"/>
-              <a:t>8. The user taps “City X”. This closes the dropdown menu.</a:t>
-            </a:r>
-          </a:p>
-        </p:txBody>
-      </p:sp>
-      <p:sp>
-        <p:nvSpPr>
-          <p:cNvPr id="20" name="TextBox 19">
-            <a:extLst>
-              <a:ext uri="{FF2B5EF4-FFF2-40B4-BE49-F238E27FC236}">
-                <a16:creationId xmlns:a16="http://schemas.microsoft.com/office/drawing/2014/main" id="{2CAA672C-AF03-4143-9A6B-6527AE8A00BE}"/>
-              </a:ext>
-            </a:extLst>
-          </p:cNvPr>
-          <p:cNvSpPr txBox="1"/>
-          <p:nvPr/>
-        </p:nvSpPr>
-        <p:spPr>
-          <a:xfrm>
-            <a:off x="9775893" y="4600574"/>
-            <a:ext cx="1971674" cy="461665"/>
-          </a:xfrm>
-          <a:prstGeom prst="rect">
-            <a:avLst/>
-          </a:prstGeom>
-          <a:noFill/>
-        </p:spPr>
-        <p:txBody>
-          <a:bodyPr wrap="square" rtlCol="0">
-            <a:spAutoFit/>
-          </a:bodyPr>
-          <a:lstStyle/>
-          <a:p>
-            <a:r>
-              <a:rPr lang="en-GB" sz="1200" dirty="0"/>
-              <a:t>9. Any and all fires in City X are shown here.</a:t>
-            </a:r>
-          </a:p>
-        </p:txBody>
-      </p:sp>
-      <p:cxnSp>
-        <p:nvCxnSpPr>
-          <p:cNvPr id="21" name="Straight Arrow Connector 20">
-            <a:extLst>
-              <a:ext uri="{FF2B5EF4-FFF2-40B4-BE49-F238E27FC236}">
-                <a16:creationId xmlns:a16="http://schemas.microsoft.com/office/drawing/2014/main" id="{149EA7B3-9A78-4055-87B2-7DB3FA9D6F32}"/>
-              </a:ext>
-            </a:extLst>
-          </p:cNvPr>
-          <p:cNvCxnSpPr>
-            <a:cxnSpLocks/>
-          </p:cNvCxnSpPr>
-          <p:nvPr/>
-        </p:nvCxnSpPr>
-        <p:spPr>
-          <a:xfrm>
-            <a:off x="1933575" y="1800225"/>
-            <a:ext cx="819150" cy="552450"/>
-          </a:xfrm>
-          <a:prstGeom prst="straightConnector1">
-            <a:avLst/>
-          </a:prstGeom>
-          <a:ln w="38100">
-            <a:tailEnd type="triangle"/>
-          </a:ln>
-        </p:spPr>
-        <p:style>
-          <a:lnRef idx="1">
-            <a:schemeClr val="accent1"/>
-          </a:lnRef>
-          <a:fillRef idx="0">
-            <a:schemeClr val="accent1"/>
-          </a:fillRef>
-          <a:effectRef idx="0">
-            <a:schemeClr val="accent1"/>
-          </a:effectRef>
-          <a:fontRef idx="minor">
-            <a:schemeClr val="tx1"/>
-          </a:fontRef>
-        </p:style>
-      </p:cxnSp>
-      <p:cxnSp>
-        <p:nvCxnSpPr>
-          <p:cNvPr id="22" name="Straight Arrow Connector 21">
-            <a:extLst>
-              <a:ext uri="{FF2B5EF4-FFF2-40B4-BE49-F238E27FC236}">
-                <a16:creationId xmlns:a16="http://schemas.microsoft.com/office/drawing/2014/main" id="{85B972ED-E361-4F4C-9A95-EACC41B418F9}"/>
-              </a:ext>
-            </a:extLst>
-          </p:cNvPr>
-          <p:cNvCxnSpPr>
-            <a:cxnSpLocks/>
-          </p:cNvCxnSpPr>
-          <p:nvPr/>
-        </p:nvCxnSpPr>
-        <p:spPr>
-          <a:xfrm>
-            <a:off x="4410075" y="2257425"/>
-            <a:ext cx="757391" cy="95250"/>
-          </a:xfrm>
-          <a:prstGeom prst="straightConnector1">
-            <a:avLst/>
-          </a:prstGeom>
-          <a:ln w="38100">
-            <a:tailEnd type="triangle"/>
-          </a:ln>
-        </p:spPr>
-        <p:style>
-          <a:lnRef idx="1">
-            <a:schemeClr val="accent1"/>
-          </a:lnRef>
-          <a:fillRef idx="0">
-            <a:schemeClr val="accent1"/>
-          </a:fillRef>
-          <a:effectRef idx="0">
-            <a:schemeClr val="accent1"/>
-          </a:effectRef>
-          <a:fontRef idx="minor">
-            <a:schemeClr val="tx1"/>
-          </a:fontRef>
-        </p:style>
-      </p:cxnSp>
-      <p:cxnSp>
-        <p:nvCxnSpPr>
-          <p:cNvPr id="25" name="Straight Arrow Connector 24">
-            <a:extLst>
-              <a:ext uri="{FF2B5EF4-FFF2-40B4-BE49-F238E27FC236}">
-                <a16:creationId xmlns:a16="http://schemas.microsoft.com/office/drawing/2014/main" id="{D9DB5E2C-9D23-41D3-87D3-934FD0DCE2EF}"/>
-              </a:ext>
-            </a:extLst>
-          </p:cNvPr>
-          <p:cNvCxnSpPr>
-            <a:cxnSpLocks/>
-          </p:cNvCxnSpPr>
-          <p:nvPr/>
-        </p:nvCxnSpPr>
-        <p:spPr>
-          <a:xfrm flipV="1">
-            <a:off x="6667500" y="2352675"/>
-            <a:ext cx="752475" cy="752476"/>
-          </a:xfrm>
-          <a:prstGeom prst="straightConnector1">
-            <a:avLst/>
-          </a:prstGeom>
-          <a:ln w="38100">
-            <a:tailEnd type="triangle"/>
-          </a:ln>
-        </p:spPr>
-        <p:style>
-          <a:lnRef idx="1">
-            <a:schemeClr val="accent1"/>
-          </a:lnRef>
-          <a:fillRef idx="0">
-            <a:schemeClr val="accent1"/>
-          </a:fillRef>
-          <a:effectRef idx="0">
-            <a:schemeClr val="accent1"/>
-          </a:effectRef>
-          <a:fontRef idx="minor">
-            <a:schemeClr val="tx1"/>
-          </a:fontRef>
-        </p:style>
-      </p:cxnSp>
-      <p:cxnSp>
-        <p:nvCxnSpPr>
-          <p:cNvPr id="28" name="Straight Arrow Connector 27">
-            <a:extLst>
-              <a:ext uri="{FF2B5EF4-FFF2-40B4-BE49-F238E27FC236}">
-                <a16:creationId xmlns:a16="http://schemas.microsoft.com/office/drawing/2014/main" id="{11EEC2EB-C6CF-495D-9F64-C55B34655157}"/>
-              </a:ext>
-            </a:extLst>
-          </p:cNvPr>
-          <p:cNvCxnSpPr>
-            <a:cxnSpLocks/>
-          </p:cNvCxnSpPr>
-          <p:nvPr/>
-        </p:nvCxnSpPr>
-        <p:spPr>
-          <a:xfrm>
-            <a:off x="8753475" y="2505075"/>
-            <a:ext cx="1022418" cy="0"/>
-          </a:xfrm>
-          <a:prstGeom prst="straightConnector1">
-            <a:avLst/>
-          </a:prstGeom>
-          <a:ln w="38100">
-            <a:tailEnd type="triangle"/>
-          </a:ln>
-        </p:spPr>
-        <p:style>
-          <a:lnRef idx="1">
-            <a:schemeClr val="accent1"/>
-          </a:lnRef>
-          <a:fillRef idx="0">
-            <a:schemeClr val="accent1"/>
-          </a:fillRef>
-          <a:effectRef idx="0">
-            <a:schemeClr val="accent1"/>
-          </a:effectRef>
-          <a:fontRef idx="minor">
-            <a:schemeClr val="tx1"/>
-          </a:fontRef>
-        </p:style>
-      </p:cxnSp>
-    </p:spTree>
-    <p:extLst>
-      <p:ext uri="{BB962C8B-B14F-4D97-AF65-F5344CB8AC3E}">
-        <p14:creationId xmlns:p14="http://schemas.microsoft.com/office/powerpoint/2010/main" val="2097394840"/>
+        <p14:creationId xmlns:p14="http://schemas.microsoft.com/office/powerpoint/2010/main" val="2563820422"/>
       </p:ext>
     </p:extLst>
   </p:cSld>
@@ -29333,18 +29639,18 @@
 </file>
 
 <file path=customXml/item2.xml><?xml version="1.0" encoding="utf-8"?>
+<p:properties xmlns:p="http://schemas.microsoft.com/office/2006/metadata/properties" xmlns:xsi="http://www.w3.org/2001/XMLSchema-instance" xmlns:pc="http://schemas.microsoft.com/office/infopath/2007/PartnerControls">
+  <documentManagement/>
+</p:properties>
+</file>
+
+<file path=customXml/item3.xml><?xml version="1.0" encoding="utf-8"?>
 <?mso-contentType ?>
 <FormTemplates xmlns="http://schemas.microsoft.com/sharepoint/v3/contenttype/forms">
   <Display>DocumentLibraryForm</Display>
   <Edit>DocumentLibraryForm</Edit>
   <New>DocumentLibraryForm</New>
 </FormTemplates>
-</file>
-
-<file path=customXml/item3.xml><?xml version="1.0" encoding="utf-8"?>
-<p:properties xmlns:p="http://schemas.microsoft.com/office/2006/metadata/properties" xmlns:xsi="http://www.w3.org/2001/XMLSchema-instance" xmlns:pc="http://schemas.microsoft.com/office/infopath/2007/PartnerControls">
-  <documentManagement/>
-</p:properties>
 </file>
 
 <file path=customXml/itemProps1.xml><?xml version="1.0" encoding="utf-8"?>
@@ -29366,14 +29672,6 @@
 </file>
 
 <file path=customXml/itemProps2.xml><?xml version="1.0" encoding="utf-8"?>
-<ds:datastoreItem xmlns:ds="http://schemas.openxmlformats.org/officeDocument/2006/customXml" ds:itemID="{71A62202-EC76-4CED-92A1-1FF441FC57F3}">
-  <ds:schemaRefs>
-    <ds:schemaRef ds:uri="http://schemas.microsoft.com/sharepoint/v3/contenttype/forms"/>
-  </ds:schemaRefs>
-</ds:datastoreItem>
-</file>
-
-<file path=customXml/itemProps3.xml><?xml version="1.0" encoding="utf-8"?>
 <ds:datastoreItem xmlns:ds="http://schemas.openxmlformats.org/officeDocument/2006/customXml" ds:itemID="{2DB6C104-FD34-49D8-AB31-09E021EB167F}">
   <ds:schemaRefs>
     <ds:schemaRef ds:uri="http://purl.org/dc/dcmitype/"/>
@@ -29387,4 +29685,12 @@
     <ds:schemaRef ds:uri="http://purl.org/dc/terms/"/>
   </ds:schemaRefs>
 </ds:datastoreItem>
+</file>
+
+<file path=customXml/itemProps3.xml><?xml version="1.0" encoding="utf-8"?>
+<ds:datastoreItem xmlns:ds="http://schemas.openxmlformats.org/officeDocument/2006/customXml" ds:itemID="{71A62202-EC76-4CED-92A1-1FF441FC57F3}">
+  <ds:schemaRefs>
+    <ds:schemaRef ds:uri="http://schemas.microsoft.com/sharepoint/v3/contenttype/forms"/>
+  </ds:schemaRefs>
+</ds:datastoreItem>
 </file>